--- a/Schéma MEPI.pptx
+++ b/Schéma MEPI.pptx
@@ -197,7 +197,7 @@
           <a:p>
             <a:fld id="{A63BCDBA-15DF-4AE0-9D6F-BF720B3E0252}" type="datetimeFigureOut">
               <a:rPr lang="en-US" smtClean="0"/>
-              <a:t>9/19/2023</a:t>
+              <a:t>10/10/2023</a:t>
             </a:fld>
             <a:endParaRPr lang="en-US"/>
           </a:p>
@@ -596,7 +596,7 @@
           <a:p>
             <a:fld id="{A5AF9A6A-1F81-4236-8DE6-52D7EE79203B}" type="datetimeFigureOut">
               <a:rPr lang="en-US" smtClean="0"/>
-              <a:t>9/19/2023</a:t>
+              <a:t>10/10/2023</a:t>
             </a:fld>
             <a:endParaRPr lang="en-US"/>
           </a:p>
@@ -766,7 +766,7 @@
           <a:p>
             <a:fld id="{A5AF9A6A-1F81-4236-8DE6-52D7EE79203B}" type="datetimeFigureOut">
               <a:rPr lang="en-US" smtClean="0"/>
-              <a:t>9/19/2023</a:t>
+              <a:t>10/10/2023</a:t>
             </a:fld>
             <a:endParaRPr lang="en-US"/>
           </a:p>
@@ -946,7 +946,7 @@
           <a:p>
             <a:fld id="{A5AF9A6A-1F81-4236-8DE6-52D7EE79203B}" type="datetimeFigureOut">
               <a:rPr lang="en-US" smtClean="0"/>
-              <a:t>9/19/2023</a:t>
+              <a:t>10/10/2023</a:t>
             </a:fld>
             <a:endParaRPr lang="en-US"/>
           </a:p>
@@ -1116,7 +1116,7 @@
           <a:p>
             <a:fld id="{A5AF9A6A-1F81-4236-8DE6-52D7EE79203B}" type="datetimeFigureOut">
               <a:rPr lang="en-US" smtClean="0"/>
-              <a:t>9/19/2023</a:t>
+              <a:t>10/10/2023</a:t>
             </a:fld>
             <a:endParaRPr lang="en-US"/>
           </a:p>
@@ -1362,7 +1362,7 @@
           <a:p>
             <a:fld id="{A5AF9A6A-1F81-4236-8DE6-52D7EE79203B}" type="datetimeFigureOut">
               <a:rPr lang="en-US" smtClean="0"/>
-              <a:t>9/19/2023</a:t>
+              <a:t>10/10/2023</a:t>
             </a:fld>
             <a:endParaRPr lang="en-US"/>
           </a:p>
@@ -1594,7 +1594,7 @@
           <a:p>
             <a:fld id="{A5AF9A6A-1F81-4236-8DE6-52D7EE79203B}" type="datetimeFigureOut">
               <a:rPr lang="en-US" smtClean="0"/>
-              <a:t>9/19/2023</a:t>
+              <a:t>10/10/2023</a:t>
             </a:fld>
             <a:endParaRPr lang="en-US"/>
           </a:p>
@@ -1961,7 +1961,7 @@
           <a:p>
             <a:fld id="{A5AF9A6A-1F81-4236-8DE6-52D7EE79203B}" type="datetimeFigureOut">
               <a:rPr lang="en-US" smtClean="0"/>
-              <a:t>9/19/2023</a:t>
+              <a:t>10/10/2023</a:t>
             </a:fld>
             <a:endParaRPr lang="en-US"/>
           </a:p>
@@ -2079,7 +2079,7 @@
           <a:p>
             <a:fld id="{A5AF9A6A-1F81-4236-8DE6-52D7EE79203B}" type="datetimeFigureOut">
               <a:rPr lang="en-US" smtClean="0"/>
-              <a:t>9/19/2023</a:t>
+              <a:t>10/10/2023</a:t>
             </a:fld>
             <a:endParaRPr lang="en-US"/>
           </a:p>
@@ -2174,7 +2174,7 @@
           <a:p>
             <a:fld id="{A5AF9A6A-1F81-4236-8DE6-52D7EE79203B}" type="datetimeFigureOut">
               <a:rPr lang="en-US" smtClean="0"/>
-              <a:t>9/19/2023</a:t>
+              <a:t>10/10/2023</a:t>
             </a:fld>
             <a:endParaRPr lang="en-US"/>
           </a:p>
@@ -2451,7 +2451,7 @@
           <a:p>
             <a:fld id="{A5AF9A6A-1F81-4236-8DE6-52D7EE79203B}" type="datetimeFigureOut">
               <a:rPr lang="en-US" smtClean="0"/>
-              <a:t>9/19/2023</a:t>
+              <a:t>10/10/2023</a:t>
             </a:fld>
             <a:endParaRPr lang="en-US"/>
           </a:p>
@@ -2708,7 +2708,7 @@
           <a:p>
             <a:fld id="{A5AF9A6A-1F81-4236-8DE6-52D7EE79203B}" type="datetimeFigureOut">
               <a:rPr lang="en-US" smtClean="0"/>
-              <a:t>9/19/2023</a:t>
+              <a:t>10/10/2023</a:t>
             </a:fld>
             <a:endParaRPr lang="en-US"/>
           </a:p>
@@ -2921,7 +2921,7 @@
           <a:p>
             <a:fld id="{A5AF9A6A-1F81-4236-8DE6-52D7EE79203B}" type="datetimeFigureOut">
               <a:rPr lang="en-US" smtClean="0"/>
-              <a:t>9/19/2023</a:t>
+              <a:t>10/10/2023</a:t>
             </a:fld>
             <a:endParaRPr lang="en-US"/>
           </a:p>
@@ -4642,18 +4642,17 @@
             </a:avLst>
           </a:prstGeom>
           <a:ln>
-            <a:prstDash val="sysDash"/>
             <a:tailEnd type="triangle"/>
           </a:ln>
         </p:spPr>
         <p:style>
-          <a:lnRef idx="2">
+          <a:lnRef idx="1">
             <a:schemeClr val="dk1"/>
           </a:lnRef>
           <a:fillRef idx="0">
             <a:schemeClr val="dk1"/>
           </a:fillRef>
-          <a:effectRef idx="1">
+          <a:effectRef idx="0">
             <a:schemeClr val="dk1"/>
           </a:effectRef>
           <a:fontRef idx="minor">
@@ -4688,18 +4687,17 @@
             </a:avLst>
           </a:prstGeom>
           <a:ln>
-            <a:prstDash val="sysDash"/>
             <a:tailEnd type="triangle"/>
           </a:ln>
         </p:spPr>
         <p:style>
-          <a:lnRef idx="2">
+          <a:lnRef idx="1">
             <a:schemeClr val="dk1"/>
           </a:lnRef>
           <a:fillRef idx="0">
             <a:schemeClr val="dk1"/>
           </a:fillRef>
-          <a:effectRef idx="1">
+          <a:effectRef idx="0">
             <a:schemeClr val="dk1"/>
           </a:effectRef>
           <a:fontRef idx="minor">
@@ -4732,18 +4730,17 @@
             </a:avLst>
           </a:prstGeom>
           <a:ln>
-            <a:prstDash val="sysDash"/>
             <a:tailEnd type="triangle"/>
           </a:ln>
         </p:spPr>
         <p:style>
-          <a:lnRef idx="2">
+          <a:lnRef idx="1">
             <a:schemeClr val="dk1"/>
           </a:lnRef>
           <a:fillRef idx="0">
             <a:schemeClr val="dk1"/>
           </a:fillRef>
-          <a:effectRef idx="1">
+          <a:effectRef idx="0">
             <a:schemeClr val="dk1"/>
           </a:effectRef>
           <a:fontRef idx="minor">
@@ -6196,7 +6193,7 @@
             <p:spPr>
               <a:xfrm>
                 <a:off x="3540460" y="1245957"/>
-                <a:ext cx="1136080" cy="459421"/>
+                <a:ext cx="758156" cy="459421"/>
               </a:xfrm>
               <a:prstGeom prst="rect">
                 <a:avLst/>
@@ -6217,10 +6214,11 @@
                     </m:oMathParaPr>
                     <m:oMath xmlns:m="http://schemas.openxmlformats.org/officeDocument/2006/math">
                       <m:r>
-                        <a:rPr lang="fr-FR" sz="1600" i="1">
+                        <a:rPr lang="fr-FR" sz="1600" i="1" smtClean="0">
                           <a:latin typeface="Cambria Math" panose="02040503050406030204" pitchFamily="18" charset="0"/>
+                          <a:ea typeface="Cambria Math" panose="02040503050406030204" pitchFamily="18" charset="0"/>
                         </a:rPr>
-                        <m:t>𝑡𝑟𝑎𝑛𝑠</m:t>
+                        <m:t>𝛽</m:t>
                       </m:r>
                       <m:r>
                         <a:rPr lang="fr-FR" sz="1600" i="1">
@@ -6311,7 +6309,7 @@
             <p:spPr>
               <a:xfrm>
                 <a:off x="3540460" y="1245957"/>
-                <a:ext cx="1136080" cy="459421"/>
+                <a:ext cx="758156" cy="459421"/>
               </a:xfrm>
               <a:prstGeom prst="rect">
                 <a:avLst/>
@@ -6355,7 +6353,7 @@
             <p:spPr>
               <a:xfrm>
                 <a:off x="3540460" y="3266589"/>
-                <a:ext cx="1136080" cy="459421"/>
+                <a:ext cx="758156" cy="459421"/>
               </a:xfrm>
               <a:prstGeom prst="rect">
                 <a:avLst/>
@@ -6376,10 +6374,11 @@
                     </m:oMathParaPr>
                     <m:oMath xmlns:m="http://schemas.openxmlformats.org/officeDocument/2006/math">
                       <m:r>
-                        <a:rPr lang="fr-FR" sz="1600" i="1">
+                        <a:rPr lang="fr-FR" sz="1600" i="1" smtClean="0">
                           <a:latin typeface="Cambria Math" panose="02040503050406030204" pitchFamily="18" charset="0"/>
+                          <a:ea typeface="Cambria Math" panose="02040503050406030204" pitchFamily="18" charset="0"/>
                         </a:rPr>
-                        <m:t>𝑡𝑟𝑎𝑛𝑠</m:t>
+                        <m:t>𝛽</m:t>
                       </m:r>
                       <m:r>
                         <a:rPr lang="fr-FR" sz="1600" i="1">
@@ -6470,7 +6469,7 @@
             <p:spPr>
               <a:xfrm>
                 <a:off x="3540460" y="3266589"/>
-                <a:ext cx="1136080" cy="459421"/>
+                <a:ext cx="758156" cy="459421"/>
               </a:xfrm>
               <a:prstGeom prst="rect">
                 <a:avLst/>
@@ -6514,7 +6513,7 @@
             <p:spPr>
               <a:xfrm>
                 <a:off x="3540460" y="4650264"/>
-                <a:ext cx="1136080" cy="459421"/>
+                <a:ext cx="758156" cy="459421"/>
               </a:xfrm>
               <a:prstGeom prst="rect">
                 <a:avLst/>
@@ -6535,10 +6534,11 @@
                     </m:oMathParaPr>
                     <m:oMath xmlns:m="http://schemas.openxmlformats.org/officeDocument/2006/math">
                       <m:r>
-                        <a:rPr lang="fr-FR" sz="1600" i="1">
+                        <a:rPr lang="fr-FR" sz="1600" i="1" smtClean="0">
                           <a:latin typeface="Cambria Math" panose="02040503050406030204" pitchFamily="18" charset="0"/>
+                          <a:ea typeface="Cambria Math" panose="02040503050406030204" pitchFamily="18" charset="0"/>
                         </a:rPr>
-                        <m:t>𝑡𝑟𝑎𝑛𝑠</m:t>
+                        <m:t>𝛽</m:t>
                       </m:r>
                       <m:r>
                         <a:rPr lang="fr-FR" sz="1600" i="1">
@@ -6629,7 +6629,7 @@
             <p:spPr>
               <a:xfrm>
                 <a:off x="3540460" y="4650264"/>
-                <a:ext cx="1136080" cy="459421"/>
+                <a:ext cx="758156" cy="459421"/>
               </a:xfrm>
               <a:prstGeom prst="rect">
                 <a:avLst/>
@@ -6672,8 +6672,8 @@
             </p:nvSpPr>
             <p:spPr>
               <a:xfrm>
-                <a:off x="6931281" y="1333560"/>
-                <a:ext cx="350289" cy="276999"/>
+                <a:off x="7009828" y="1278908"/>
+                <a:ext cx="193193" cy="276999"/>
               </a:xfrm>
               <a:prstGeom prst="rect">
                 <a:avLst/>
@@ -6694,10 +6694,11 @@
                     </m:oMathParaPr>
                     <m:oMath xmlns:m="http://schemas.openxmlformats.org/officeDocument/2006/math">
                       <m:r>
-                        <a:rPr lang="fr-FR" i="1">
+                        <a:rPr lang="fr-FR" i="1" smtClean="0">
                           <a:latin typeface="Cambria Math" panose="02040503050406030204" pitchFamily="18" charset="0"/>
+                          <a:ea typeface="Cambria Math" panose="02040503050406030204" pitchFamily="18" charset="0"/>
                         </a:rPr>
-                        <m:t>𝑙𝑎𝑡</m:t>
+                        <m:t>𝜎</m:t>
                       </m:r>
                     </m:oMath>
                   </m:oMathPara>
@@ -6724,8 +6725,8 @@
             </p:nvSpPr>
             <p:spPr>
               <a:xfrm>
-                <a:off x="6931281" y="1333560"/>
-                <a:ext cx="350289" cy="276999"/>
+                <a:off x="7009828" y="1278908"/>
+                <a:ext cx="193193" cy="276999"/>
               </a:xfrm>
               <a:prstGeom prst="rect">
                 <a:avLst/>
@@ -6733,199 +6734,7 @@
               <a:blipFill>
                 <a:blip r:embed="rId17"/>
                 <a:stretch>
-                  <a:fillRect l="-17544" r="-15789" b="-8889"/>
-                </a:stretch>
-              </a:blipFill>
-            </p:spPr>
-            <p:txBody>
-              <a:bodyPr/>
-              <a:lstStyle/>
-              <a:p>
-                <a:r>
-                  <a:rPr lang="en-US">
-                    <a:noFill/>
-                  </a:rPr>
-                  <a:t> </a:t>
-                </a:r>
-              </a:p>
-            </p:txBody>
-          </p:sp>
-        </mc:Fallback>
-      </mc:AlternateContent>
-      <mc:AlternateContent xmlns:mc="http://schemas.openxmlformats.org/markup-compatibility/2006" xmlns:a14="http://schemas.microsoft.com/office/drawing/2010/main">
-        <mc:Choice Requires="a14">
-          <p:sp>
-            <p:nvSpPr>
-              <p:cNvPr id="100" name="TextBox 99">
-                <a:extLst>
-                  <a:ext uri="{FF2B5EF4-FFF2-40B4-BE49-F238E27FC236}">
-                    <a16:creationId xmlns:a16="http://schemas.microsoft.com/office/drawing/2014/main" id="{E633562C-8489-0484-719E-095C0F5B4F81}"/>
-                  </a:ext>
-                </a:extLst>
-              </p:cNvPr>
-              <p:cNvSpPr txBox="1"/>
-              <p:nvPr/>
-            </p:nvSpPr>
-            <p:spPr>
-              <a:xfrm>
-                <a:off x="6931281" y="3322545"/>
-                <a:ext cx="350289" cy="276999"/>
-              </a:xfrm>
-              <a:prstGeom prst="rect">
-                <a:avLst/>
-              </a:prstGeom>
-              <a:noFill/>
-            </p:spPr>
-            <p:txBody>
-              <a:bodyPr wrap="none" lIns="0" tIns="0" rIns="0" bIns="0" rtlCol="0">
-                <a:spAutoFit/>
-              </a:bodyPr>
-              <a:lstStyle/>
-              <a:p>
-                <a:pPr/>
-                <a14:m>
-                  <m:oMathPara xmlns:m="http://schemas.openxmlformats.org/officeDocument/2006/math">
-                    <m:oMathParaPr>
-                      <m:jc m:val="centerGroup"/>
-                    </m:oMathParaPr>
-                    <m:oMath xmlns:m="http://schemas.openxmlformats.org/officeDocument/2006/math">
-                      <m:r>
-                        <a:rPr lang="fr-FR" i="1">
-                          <a:latin typeface="Cambria Math" panose="02040503050406030204" pitchFamily="18" charset="0"/>
-                        </a:rPr>
-                        <m:t>𝑙𝑎𝑡</m:t>
-                      </m:r>
-                    </m:oMath>
-                  </m:oMathPara>
-                </a14:m>
-                <a:endParaRPr lang="en-US" dirty="0"/>
-              </a:p>
-            </p:txBody>
-          </p:sp>
-        </mc:Choice>
-        <mc:Fallback xmlns="">
-          <p:sp>
-            <p:nvSpPr>
-              <p:cNvPr id="100" name="TextBox 99">
-                <a:extLst>
-                  <a:ext uri="{FF2B5EF4-FFF2-40B4-BE49-F238E27FC236}">
-                    <a16:creationId xmlns:a16="http://schemas.microsoft.com/office/drawing/2014/main" id="{E633562C-8489-0484-719E-095C0F5B4F81}"/>
-                  </a:ext>
-                </a:extLst>
-              </p:cNvPr>
-              <p:cNvSpPr txBox="1">
-                <a:spLocks noRot="1" noChangeAspect="1" noMove="1" noResize="1" noEditPoints="1" noAdjustHandles="1" noChangeArrowheads="1" noChangeShapeType="1" noTextEdit="1"/>
-              </p:cNvSpPr>
-              <p:nvPr/>
-            </p:nvSpPr>
-            <p:spPr>
-              <a:xfrm>
-                <a:off x="6931281" y="3322545"/>
-                <a:ext cx="350289" cy="276999"/>
-              </a:xfrm>
-              <a:prstGeom prst="rect">
-                <a:avLst/>
-              </a:prstGeom>
-              <a:blipFill>
-                <a:blip r:embed="rId18"/>
-                <a:stretch>
-                  <a:fillRect l="-17544" r="-15789" b="-8889"/>
-                </a:stretch>
-              </a:blipFill>
-            </p:spPr>
-            <p:txBody>
-              <a:bodyPr/>
-              <a:lstStyle/>
-              <a:p>
-                <a:r>
-                  <a:rPr lang="en-US">
-                    <a:noFill/>
-                  </a:rPr>
-                  <a:t> </a:t>
-                </a:r>
-              </a:p>
-            </p:txBody>
-          </p:sp>
-        </mc:Fallback>
-      </mc:AlternateContent>
-      <mc:AlternateContent xmlns:mc="http://schemas.openxmlformats.org/markup-compatibility/2006" xmlns:a14="http://schemas.microsoft.com/office/drawing/2010/main">
-        <mc:Choice Requires="a14">
-          <p:sp>
-            <p:nvSpPr>
-              <p:cNvPr id="101" name="TextBox 100">
-                <a:extLst>
-                  <a:ext uri="{FF2B5EF4-FFF2-40B4-BE49-F238E27FC236}">
-                    <a16:creationId xmlns:a16="http://schemas.microsoft.com/office/drawing/2014/main" id="{78237375-1CB7-1E56-EF15-37B0DC751932}"/>
-                  </a:ext>
-                </a:extLst>
-              </p:cNvPr>
-              <p:cNvSpPr txBox="1"/>
-              <p:nvPr/>
-            </p:nvSpPr>
-            <p:spPr>
-              <a:xfrm>
-                <a:off x="6931626" y="4803611"/>
-                <a:ext cx="350289" cy="276999"/>
-              </a:xfrm>
-              <a:prstGeom prst="rect">
-                <a:avLst/>
-              </a:prstGeom>
-              <a:noFill/>
-            </p:spPr>
-            <p:txBody>
-              <a:bodyPr wrap="none" lIns="0" tIns="0" rIns="0" bIns="0" rtlCol="0">
-                <a:spAutoFit/>
-              </a:bodyPr>
-              <a:lstStyle/>
-              <a:p>
-                <a:pPr/>
-                <a14:m>
-                  <m:oMathPara xmlns:m="http://schemas.openxmlformats.org/officeDocument/2006/math">
-                    <m:oMathParaPr>
-                      <m:jc m:val="centerGroup"/>
-                    </m:oMathParaPr>
-                    <m:oMath xmlns:m="http://schemas.openxmlformats.org/officeDocument/2006/math">
-                      <m:r>
-                        <a:rPr lang="fr-FR" i="1">
-                          <a:latin typeface="Cambria Math" panose="02040503050406030204" pitchFamily="18" charset="0"/>
-                        </a:rPr>
-                        <m:t>𝑙𝑎𝑡</m:t>
-                      </m:r>
-                    </m:oMath>
-                  </m:oMathPara>
-                </a14:m>
-                <a:endParaRPr lang="en-US" dirty="0"/>
-              </a:p>
-            </p:txBody>
-          </p:sp>
-        </mc:Choice>
-        <mc:Fallback xmlns="">
-          <p:sp>
-            <p:nvSpPr>
-              <p:cNvPr id="101" name="TextBox 100">
-                <a:extLst>
-                  <a:ext uri="{FF2B5EF4-FFF2-40B4-BE49-F238E27FC236}">
-                    <a16:creationId xmlns:a16="http://schemas.microsoft.com/office/drawing/2014/main" id="{78237375-1CB7-1E56-EF15-37B0DC751932}"/>
-                  </a:ext>
-                </a:extLst>
-              </p:cNvPr>
-              <p:cNvSpPr txBox="1">
-                <a:spLocks noRot="1" noChangeAspect="1" noMove="1" noResize="1" noEditPoints="1" noAdjustHandles="1" noChangeArrowheads="1" noChangeShapeType="1" noTextEdit="1"/>
-              </p:cNvSpPr>
-              <p:nvPr/>
-            </p:nvSpPr>
-            <p:spPr>
-              <a:xfrm>
-                <a:off x="6931626" y="4803611"/>
-                <a:ext cx="350289" cy="276999"/>
-              </a:xfrm>
-              <a:prstGeom prst="rect">
-                <a:avLst/>
-              </a:prstGeom>
-              <a:blipFill>
-                <a:blip r:embed="rId19"/>
-                <a:stretch>
-                  <a:fillRect l="-17241" r="-13793" b="-8889"/>
+                  <a:fillRect l="-18750" r="-12500"/>
                 </a:stretch>
               </a:blipFill>
             </p:spPr>
@@ -6960,8 +6769,8 @@
             </p:nvSpPr>
             <p:spPr>
               <a:xfrm>
-                <a:off x="9915996" y="1275766"/>
-                <a:ext cx="388824" cy="276999"/>
+                <a:off x="9997797" y="1199215"/>
+                <a:ext cx="220624" cy="276999"/>
               </a:xfrm>
               <a:prstGeom prst="rect">
                 <a:avLst/>
@@ -6969,7 +6778,7 @@
               <a:noFill/>
             </p:spPr>
             <p:txBody>
-              <a:bodyPr wrap="none" lIns="0" tIns="0" rIns="0" bIns="0" rtlCol="0">
+              <a:bodyPr wrap="square" lIns="0" tIns="0" rIns="0" bIns="0" rtlCol="0">
                 <a:spAutoFit/>
               </a:bodyPr>
               <a:lstStyle/>
@@ -6982,10 +6791,11 @@
                     </m:oMathParaPr>
                     <m:oMath xmlns:m="http://schemas.openxmlformats.org/officeDocument/2006/math">
                       <m:r>
-                        <a:rPr lang="fr-FR" i="1">
+                        <a:rPr lang="fr-FR" i="1" smtClean="0">
                           <a:latin typeface="Cambria Math" panose="02040503050406030204" pitchFamily="18" charset="0"/>
+                          <a:ea typeface="Cambria Math" panose="02040503050406030204" pitchFamily="18" charset="0"/>
                         </a:rPr>
-                        <m:t>𝑟𝑒𝑐</m:t>
+                        <m:t>𝛾</m:t>
                       </m:r>
                     </m:oMath>
                   </m:oMathPara>
@@ -7012,208 +6822,16 @@
             </p:nvSpPr>
             <p:spPr>
               <a:xfrm>
-                <a:off x="9915996" y="1275766"/>
-                <a:ext cx="388824" cy="276999"/>
+                <a:off x="9997797" y="1199215"/>
+                <a:ext cx="220624" cy="276999"/>
               </a:xfrm>
               <a:prstGeom prst="rect">
                 <a:avLst/>
               </a:prstGeom>
               <a:blipFill>
-                <a:blip r:embed="rId20"/>
+                <a:blip r:embed="rId18"/>
                 <a:stretch>
-                  <a:fillRect l="-9524" r="-7937"/>
-                </a:stretch>
-              </a:blipFill>
-            </p:spPr>
-            <p:txBody>
-              <a:bodyPr/>
-              <a:lstStyle/>
-              <a:p>
-                <a:r>
-                  <a:rPr lang="en-US">
-                    <a:noFill/>
-                  </a:rPr>
-                  <a:t> </a:t>
-                </a:r>
-              </a:p>
-            </p:txBody>
-          </p:sp>
-        </mc:Fallback>
-      </mc:AlternateContent>
-      <mc:AlternateContent xmlns:mc="http://schemas.openxmlformats.org/markup-compatibility/2006" xmlns:a14="http://schemas.microsoft.com/office/drawing/2010/main">
-        <mc:Choice Requires="a14">
-          <p:sp>
-            <p:nvSpPr>
-              <p:cNvPr id="103" name="TextBox 102">
-                <a:extLst>
-                  <a:ext uri="{FF2B5EF4-FFF2-40B4-BE49-F238E27FC236}">
-                    <a16:creationId xmlns:a16="http://schemas.microsoft.com/office/drawing/2014/main" id="{F2B4E215-AB88-D0C1-31F6-31CF4BA3FB86}"/>
-                  </a:ext>
-                </a:extLst>
-              </p:cNvPr>
-              <p:cNvSpPr txBox="1"/>
-              <p:nvPr/>
-            </p:nvSpPr>
-            <p:spPr>
-              <a:xfrm>
-                <a:off x="9915996" y="3267909"/>
-                <a:ext cx="388824" cy="276999"/>
-              </a:xfrm>
-              <a:prstGeom prst="rect">
-                <a:avLst/>
-              </a:prstGeom>
-              <a:noFill/>
-            </p:spPr>
-            <p:txBody>
-              <a:bodyPr wrap="none" lIns="0" tIns="0" rIns="0" bIns="0" rtlCol="0">
-                <a:spAutoFit/>
-              </a:bodyPr>
-              <a:lstStyle/>
-              <a:p>
-                <a:pPr/>
-                <a14:m>
-                  <m:oMathPara xmlns:m="http://schemas.openxmlformats.org/officeDocument/2006/math">
-                    <m:oMathParaPr>
-                      <m:jc m:val="centerGroup"/>
-                    </m:oMathParaPr>
-                    <m:oMath xmlns:m="http://schemas.openxmlformats.org/officeDocument/2006/math">
-                      <m:r>
-                        <a:rPr lang="fr-FR" i="1">
-                          <a:latin typeface="Cambria Math" panose="02040503050406030204" pitchFamily="18" charset="0"/>
-                        </a:rPr>
-                        <m:t>𝑟𝑒𝑐</m:t>
-                      </m:r>
-                    </m:oMath>
-                  </m:oMathPara>
-                </a14:m>
-                <a:endParaRPr lang="en-US" dirty="0"/>
-              </a:p>
-            </p:txBody>
-          </p:sp>
-        </mc:Choice>
-        <mc:Fallback xmlns="">
-          <p:sp>
-            <p:nvSpPr>
-              <p:cNvPr id="103" name="TextBox 102">
-                <a:extLst>
-                  <a:ext uri="{FF2B5EF4-FFF2-40B4-BE49-F238E27FC236}">
-                    <a16:creationId xmlns:a16="http://schemas.microsoft.com/office/drawing/2014/main" id="{F2B4E215-AB88-D0C1-31F6-31CF4BA3FB86}"/>
-                  </a:ext>
-                </a:extLst>
-              </p:cNvPr>
-              <p:cNvSpPr txBox="1">
-                <a:spLocks noRot="1" noChangeAspect="1" noMove="1" noResize="1" noEditPoints="1" noAdjustHandles="1" noChangeArrowheads="1" noChangeShapeType="1" noTextEdit="1"/>
-              </p:cNvSpPr>
-              <p:nvPr/>
-            </p:nvSpPr>
-            <p:spPr>
-              <a:xfrm>
-                <a:off x="9915996" y="3267909"/>
-                <a:ext cx="388824" cy="276999"/>
-              </a:xfrm>
-              <a:prstGeom prst="rect">
-                <a:avLst/>
-              </a:prstGeom>
-              <a:blipFill>
-                <a:blip r:embed="rId21"/>
-                <a:stretch>
-                  <a:fillRect l="-9524" r="-7937"/>
-                </a:stretch>
-              </a:blipFill>
-            </p:spPr>
-            <p:txBody>
-              <a:bodyPr/>
-              <a:lstStyle/>
-              <a:p>
-                <a:r>
-                  <a:rPr lang="en-US">
-                    <a:noFill/>
-                  </a:rPr>
-                  <a:t> </a:t>
-                </a:r>
-              </a:p>
-            </p:txBody>
-          </p:sp>
-        </mc:Fallback>
-      </mc:AlternateContent>
-      <mc:AlternateContent xmlns:mc="http://schemas.openxmlformats.org/markup-compatibility/2006" xmlns:a14="http://schemas.microsoft.com/office/drawing/2010/main">
-        <mc:Choice Requires="a14">
-          <p:sp>
-            <p:nvSpPr>
-              <p:cNvPr id="104" name="TextBox 103">
-                <a:extLst>
-                  <a:ext uri="{FF2B5EF4-FFF2-40B4-BE49-F238E27FC236}">
-                    <a16:creationId xmlns:a16="http://schemas.microsoft.com/office/drawing/2014/main" id="{41C4A614-DB43-8CBB-4F5B-82BB6824EA18}"/>
-                  </a:ext>
-                </a:extLst>
-              </p:cNvPr>
-              <p:cNvSpPr txBox="1"/>
-              <p:nvPr/>
-            </p:nvSpPr>
-            <p:spPr>
-              <a:xfrm>
-                <a:off x="9915996" y="4789310"/>
-                <a:ext cx="388824" cy="276999"/>
-              </a:xfrm>
-              <a:prstGeom prst="rect">
-                <a:avLst/>
-              </a:prstGeom>
-              <a:noFill/>
-            </p:spPr>
-            <p:txBody>
-              <a:bodyPr wrap="none" lIns="0" tIns="0" rIns="0" bIns="0" rtlCol="0">
-                <a:spAutoFit/>
-              </a:bodyPr>
-              <a:lstStyle/>
-              <a:p>
-                <a:pPr/>
-                <a14:m>
-                  <m:oMathPara xmlns:m="http://schemas.openxmlformats.org/officeDocument/2006/math">
-                    <m:oMathParaPr>
-                      <m:jc m:val="centerGroup"/>
-                    </m:oMathParaPr>
-                    <m:oMath xmlns:m="http://schemas.openxmlformats.org/officeDocument/2006/math">
-                      <m:r>
-                        <a:rPr lang="fr-FR" i="1">
-                          <a:latin typeface="Cambria Math" panose="02040503050406030204" pitchFamily="18" charset="0"/>
-                        </a:rPr>
-                        <m:t>𝑟𝑒𝑐</m:t>
-                      </m:r>
-                    </m:oMath>
-                  </m:oMathPara>
-                </a14:m>
-                <a:endParaRPr lang="en-US" dirty="0"/>
-              </a:p>
-            </p:txBody>
-          </p:sp>
-        </mc:Choice>
-        <mc:Fallback xmlns="">
-          <p:sp>
-            <p:nvSpPr>
-              <p:cNvPr id="104" name="TextBox 103">
-                <a:extLst>
-                  <a:ext uri="{FF2B5EF4-FFF2-40B4-BE49-F238E27FC236}">
-                    <a16:creationId xmlns:a16="http://schemas.microsoft.com/office/drawing/2014/main" id="{41C4A614-DB43-8CBB-4F5B-82BB6824EA18}"/>
-                  </a:ext>
-                </a:extLst>
-              </p:cNvPr>
-              <p:cNvSpPr txBox="1">
-                <a:spLocks noRot="1" noChangeAspect="1" noMove="1" noResize="1" noEditPoints="1" noAdjustHandles="1" noChangeArrowheads="1" noChangeShapeType="1" noTextEdit="1"/>
-              </p:cNvSpPr>
-              <p:nvPr/>
-            </p:nvSpPr>
-            <p:spPr>
-              <a:xfrm>
-                <a:off x="9915996" y="4789310"/>
-                <a:ext cx="388824" cy="276999"/>
-              </a:xfrm>
-              <a:prstGeom prst="rect">
-                <a:avLst/>
-              </a:prstGeom>
-              <a:blipFill>
-                <a:blip r:embed="rId22"/>
-                <a:stretch>
-                  <a:fillRect l="-9524" r="-7937"/>
+                  <a:fillRect l="-13889" r="-16667" b="-22222"/>
                 </a:stretch>
               </a:blipFill>
             </p:spPr>
@@ -7249,7 +6867,7 @@
             <p:spPr>
               <a:xfrm>
                 <a:off x="2312466" y="1942049"/>
-                <a:ext cx="242887" cy="276999"/>
+                <a:ext cx="260712" cy="276999"/>
               </a:xfrm>
               <a:prstGeom prst="rect">
                 <a:avLst/>
@@ -7272,17 +6890,18 @@
                       <m:sSub>
                         <m:sSubPr>
                           <m:ctrlPr>
-                            <a:rPr lang="fr-FR" i="1">
+                            <a:rPr lang="fr-FR" i="1" smtClean="0">
                               <a:latin typeface="Cambria Math" panose="02040503050406030204" pitchFamily="18" charset="0"/>
                             </a:rPr>
                           </m:ctrlPr>
                         </m:sSubPr>
                         <m:e>
                           <m:r>
-                            <a:rPr lang="fr-FR" i="1">
+                            <a:rPr lang="fr-FR" i="1" smtClean="0">
                               <a:latin typeface="Cambria Math" panose="02040503050406030204" pitchFamily="18" charset="0"/>
+                              <a:ea typeface="Cambria Math" panose="02040503050406030204" pitchFamily="18" charset="0"/>
                             </a:rPr>
-                            <m:t>𝑡</m:t>
+                            <m:t>𝜏</m:t>
                           </m:r>
                         </m:e>
                         <m:sub>
@@ -7320,15 +6939,15 @@
             <p:spPr>
               <a:xfrm>
                 <a:off x="2312466" y="1942049"/>
-                <a:ext cx="242887" cy="276999"/>
+                <a:ext cx="260712" cy="276999"/>
               </a:xfrm>
               <a:prstGeom prst="rect">
                 <a:avLst/>
               </a:prstGeom>
               <a:blipFill>
-                <a:blip r:embed="rId23"/>
+                <a:blip r:embed="rId19"/>
                 <a:stretch>
-                  <a:fillRect l="-20000" r="-7500" b="-15556"/>
+                  <a:fillRect l="-13953" r="-6977" b="-15556"/>
                 </a:stretch>
               </a:blipFill>
             </p:spPr>
@@ -7364,7 +6983,7 @@
             <p:spPr>
               <a:xfrm>
                 <a:off x="5284483" y="1942049"/>
-                <a:ext cx="242887" cy="276999"/>
+                <a:ext cx="260712" cy="276999"/>
               </a:xfrm>
               <a:prstGeom prst="rect">
                 <a:avLst/>
@@ -7394,10 +7013,11 @@
                         </m:sSubPr>
                         <m:e>
                           <m:r>
-                            <a:rPr lang="fr-FR" i="1">
+                            <a:rPr lang="fr-FR" i="1" smtClean="0">
                               <a:latin typeface="Cambria Math" panose="02040503050406030204" pitchFamily="18" charset="0"/>
+                              <a:ea typeface="Cambria Math" panose="02040503050406030204" pitchFamily="18" charset="0"/>
                             </a:rPr>
-                            <m:t>𝑡</m:t>
+                            <m:t>𝜏</m:t>
                           </m:r>
                         </m:e>
                         <m:sub>
@@ -7435,15 +7055,15 @@
             <p:spPr>
               <a:xfrm>
                 <a:off x="5284483" y="1942049"/>
-                <a:ext cx="242887" cy="276999"/>
+                <a:ext cx="260712" cy="276999"/>
               </a:xfrm>
               <a:prstGeom prst="rect">
                 <a:avLst/>
               </a:prstGeom>
               <a:blipFill>
-                <a:blip r:embed="rId24"/>
+                <a:blip r:embed="rId20"/>
                 <a:stretch>
-                  <a:fillRect l="-22500" r="-5000" b="-15556"/>
+                  <a:fillRect l="-13953" r="-4651" b="-15556"/>
                 </a:stretch>
               </a:blipFill>
             </p:spPr>
@@ -7479,7 +7099,7 @@
             <p:spPr>
               <a:xfrm>
                 <a:off x="8324616" y="1942048"/>
-                <a:ext cx="242887" cy="276999"/>
+                <a:ext cx="260712" cy="276999"/>
               </a:xfrm>
               <a:prstGeom prst="rect">
                 <a:avLst/>
@@ -7509,10 +7129,11 @@
                         </m:sSubPr>
                         <m:e>
                           <m:r>
-                            <a:rPr lang="fr-FR" i="1">
+                            <a:rPr lang="fr-FR" i="1" smtClean="0">
                               <a:latin typeface="Cambria Math" panose="02040503050406030204" pitchFamily="18" charset="0"/>
+                              <a:ea typeface="Cambria Math" panose="02040503050406030204" pitchFamily="18" charset="0"/>
                             </a:rPr>
-                            <m:t>𝑡</m:t>
+                            <m:t>𝜏</m:t>
                           </m:r>
                         </m:e>
                         <m:sub>
@@ -7550,15 +7171,15 @@
             <p:spPr>
               <a:xfrm>
                 <a:off x="8324616" y="1942048"/>
-                <a:ext cx="242887" cy="276999"/>
+                <a:ext cx="260712" cy="276999"/>
               </a:xfrm>
               <a:prstGeom prst="rect">
                 <a:avLst/>
               </a:prstGeom>
               <a:blipFill>
-                <a:blip r:embed="rId25"/>
+                <a:blip r:embed="rId21"/>
                 <a:stretch>
-                  <a:fillRect l="-23077" r="-7692" b="-15556"/>
+                  <a:fillRect l="-14286" r="-7143" b="-15556"/>
                 </a:stretch>
               </a:blipFill>
             </p:spPr>
@@ -7594,7 +7215,7 @@
             <p:spPr>
               <a:xfrm>
                 <a:off x="11290426" y="1942048"/>
-                <a:ext cx="242887" cy="276999"/>
+                <a:ext cx="260712" cy="276999"/>
               </a:xfrm>
               <a:prstGeom prst="rect">
                 <a:avLst/>
@@ -7624,10 +7245,11 @@
                         </m:sSubPr>
                         <m:e>
                           <m:r>
-                            <a:rPr lang="fr-FR" i="1">
+                            <a:rPr lang="fr-FR" i="1" smtClean="0">
                               <a:latin typeface="Cambria Math" panose="02040503050406030204" pitchFamily="18" charset="0"/>
+                              <a:ea typeface="Cambria Math" panose="02040503050406030204" pitchFamily="18" charset="0"/>
                             </a:rPr>
-                            <m:t>𝑡</m:t>
+                            <m:t>𝜏</m:t>
                           </m:r>
                         </m:e>
                         <m:sub>
@@ -7665,15 +7287,15 @@
             <p:spPr>
               <a:xfrm>
                 <a:off x="11290426" y="1942048"/>
-                <a:ext cx="242887" cy="276999"/>
+                <a:ext cx="260712" cy="276999"/>
               </a:xfrm>
               <a:prstGeom prst="rect">
                 <a:avLst/>
               </a:prstGeom>
               <a:blipFill>
-                <a:blip r:embed="rId26"/>
+                <a:blip r:embed="rId22"/>
                 <a:stretch>
-                  <a:fillRect l="-20000" r="-7500" b="-15556"/>
+                  <a:fillRect l="-13953" r="-6977" b="-15556"/>
                 </a:stretch>
               </a:blipFill>
             </p:spPr>
@@ -7709,7 +7331,7 @@
             <p:spPr>
               <a:xfrm>
                 <a:off x="2312466" y="4020514"/>
-                <a:ext cx="248209" cy="276999"/>
+                <a:ext cx="266034" cy="276999"/>
               </a:xfrm>
               <a:prstGeom prst="rect">
                 <a:avLst/>
@@ -7739,10 +7361,11 @@
                         </m:sSubPr>
                         <m:e>
                           <m:r>
-                            <a:rPr lang="fr-FR" i="1">
+                            <a:rPr lang="fr-FR" i="1" smtClean="0">
                               <a:latin typeface="Cambria Math" panose="02040503050406030204" pitchFamily="18" charset="0"/>
+                              <a:ea typeface="Cambria Math" panose="02040503050406030204" pitchFamily="18" charset="0"/>
                             </a:rPr>
-                            <m:t>𝑡</m:t>
+                            <m:t>𝜏</m:t>
                           </m:r>
                         </m:e>
                         <m:sub>
@@ -7780,15 +7403,15 @@
             <p:spPr>
               <a:xfrm>
                 <a:off x="2312466" y="4020514"/>
-                <a:ext cx="248209" cy="276999"/>
+                <a:ext cx="266034" cy="276999"/>
               </a:xfrm>
               <a:prstGeom prst="rect">
                 <a:avLst/>
               </a:prstGeom>
               <a:blipFill>
-                <a:blip r:embed="rId27"/>
+                <a:blip r:embed="rId23"/>
                 <a:stretch>
-                  <a:fillRect l="-19512" r="-7317" b="-15556"/>
+                  <a:fillRect l="-13636" r="-6818" b="-15556"/>
                 </a:stretch>
               </a:blipFill>
             </p:spPr>
@@ -7824,7 +7447,7 @@
             <p:spPr>
               <a:xfrm>
                 <a:off x="5289516" y="4020514"/>
-                <a:ext cx="248209" cy="276999"/>
+                <a:ext cx="266034" cy="276999"/>
               </a:xfrm>
               <a:prstGeom prst="rect">
                 <a:avLst/>
@@ -7854,10 +7477,11 @@
                         </m:sSubPr>
                         <m:e>
                           <m:r>
-                            <a:rPr lang="fr-FR" i="1">
+                            <a:rPr lang="fr-FR" i="1" smtClean="0">
                               <a:latin typeface="Cambria Math" panose="02040503050406030204" pitchFamily="18" charset="0"/>
+                              <a:ea typeface="Cambria Math" panose="02040503050406030204" pitchFamily="18" charset="0"/>
                             </a:rPr>
-                            <m:t>𝑡</m:t>
+                            <m:t>𝜏</m:t>
                           </m:r>
                         </m:e>
                         <m:sub>
@@ -7895,15 +7519,15 @@
             <p:spPr>
               <a:xfrm>
                 <a:off x="5289516" y="4020514"/>
-                <a:ext cx="248209" cy="276999"/>
+                <a:ext cx="266034" cy="276999"/>
               </a:xfrm>
               <a:prstGeom prst="rect">
                 <a:avLst/>
               </a:prstGeom>
               <a:blipFill>
-                <a:blip r:embed="rId28"/>
+                <a:blip r:embed="rId24"/>
                 <a:stretch>
-                  <a:fillRect l="-22500" r="-7500" b="-15556"/>
+                  <a:fillRect l="-13953" r="-6977" b="-15556"/>
                 </a:stretch>
               </a:blipFill>
             </p:spPr>
@@ -7939,7 +7563,7 @@
             <p:spPr>
               <a:xfrm>
                 <a:off x="8335577" y="4036097"/>
-                <a:ext cx="248209" cy="276999"/>
+                <a:ext cx="266034" cy="276999"/>
               </a:xfrm>
               <a:prstGeom prst="rect">
                 <a:avLst/>
@@ -7969,10 +7593,11 @@
                         </m:sSubPr>
                         <m:e>
                           <m:r>
-                            <a:rPr lang="fr-FR" i="1">
+                            <a:rPr lang="fr-FR" i="1" smtClean="0">
                               <a:latin typeface="Cambria Math" panose="02040503050406030204" pitchFamily="18" charset="0"/>
+                              <a:ea typeface="Cambria Math" panose="02040503050406030204" pitchFamily="18" charset="0"/>
                             </a:rPr>
-                            <m:t>𝑡</m:t>
+                            <m:t>𝜏</m:t>
                           </m:r>
                         </m:e>
                         <m:sub>
@@ -8010,15 +7635,15 @@
             <p:spPr>
               <a:xfrm>
                 <a:off x="8335577" y="4036097"/>
-                <a:ext cx="248209" cy="276999"/>
+                <a:ext cx="266034" cy="276999"/>
               </a:xfrm>
               <a:prstGeom prst="rect">
                 <a:avLst/>
               </a:prstGeom>
               <a:blipFill>
-                <a:blip r:embed="rId29"/>
+                <a:blip r:embed="rId25"/>
                 <a:stretch>
-                  <a:fillRect l="-19512" r="-7317" b="-15217"/>
+                  <a:fillRect l="-13636" r="-6818" b="-15217"/>
                 </a:stretch>
               </a:blipFill>
             </p:spPr>
@@ -8054,7 +7679,7 @@
             <p:spPr>
               <a:xfrm>
                 <a:off x="11316498" y="4020431"/>
-                <a:ext cx="248209" cy="276999"/>
+                <a:ext cx="266034" cy="276999"/>
               </a:xfrm>
               <a:prstGeom prst="rect">
                 <a:avLst/>
@@ -8084,10 +7709,11 @@
                         </m:sSubPr>
                         <m:e>
                           <m:r>
-                            <a:rPr lang="fr-FR" i="1">
+                            <a:rPr lang="fr-FR" i="1" smtClean="0">
                               <a:latin typeface="Cambria Math" panose="02040503050406030204" pitchFamily="18" charset="0"/>
+                              <a:ea typeface="Cambria Math" panose="02040503050406030204" pitchFamily="18" charset="0"/>
                             </a:rPr>
-                            <m:t>𝑡</m:t>
+                            <m:t>𝜏</m:t>
                           </m:r>
                         </m:e>
                         <m:sub>
@@ -8125,15 +7751,15 @@
             <p:spPr>
               <a:xfrm>
                 <a:off x="11316498" y="4020431"/>
-                <a:ext cx="248209" cy="276999"/>
+                <a:ext cx="266034" cy="276999"/>
               </a:xfrm>
               <a:prstGeom prst="rect">
                 <a:avLst/>
               </a:prstGeom>
               <a:blipFill>
-                <a:blip r:embed="rId30"/>
+                <a:blip r:embed="rId26"/>
                 <a:stretch>
-                  <a:fillRect l="-19512" r="-7317" b="-15556"/>
+                  <a:fillRect l="-13636" r="-6818" b="-15556"/>
                 </a:stretch>
               </a:blipFill>
             </p:spPr>
@@ -9139,8 +8765,8 @@
             </p:nvSpPr>
             <p:spPr>
               <a:xfrm>
-                <a:off x="9246541" y="6139295"/>
-                <a:ext cx="648511" cy="276999"/>
+                <a:off x="9477918" y="6131907"/>
+                <a:ext cx="185755" cy="276999"/>
               </a:xfrm>
               <a:prstGeom prst="rect">
                 <a:avLst/>
@@ -9161,10 +8787,11 @@
                     </m:oMathParaPr>
                     <m:oMath xmlns:m="http://schemas.openxmlformats.org/officeDocument/2006/math">
                       <m:r>
-                        <a:rPr lang="fr-FR" i="1">
+                        <a:rPr lang="en-US" i="1" smtClean="0">
                           <a:latin typeface="Cambria Math" panose="02040503050406030204" pitchFamily="18" charset="0"/>
+                          <a:ea typeface="Cambria Math" panose="02040503050406030204" pitchFamily="18" charset="0"/>
                         </a:rPr>
-                        <m:t>𝑚𝑎𝑑𝑑</m:t>
+                        <m:t>𝜇</m:t>
                       </m:r>
                     </m:oMath>
                   </m:oMathPara>
@@ -9191,8 +8818,8 @@
             </p:nvSpPr>
             <p:spPr>
               <a:xfrm>
-                <a:off x="9246541" y="6139295"/>
-                <a:ext cx="648511" cy="276999"/>
+                <a:off x="9477918" y="6131907"/>
+                <a:ext cx="185755" cy="276999"/>
               </a:xfrm>
               <a:prstGeom prst="rect">
                 <a:avLst/>
@@ -9200,7 +8827,7 @@
               <a:blipFill>
                 <a:blip r:embed="rId37"/>
                 <a:stretch>
-                  <a:fillRect l="-8491" r="-8491" b="-6522"/>
+                  <a:fillRect l="-33333" r="-26667" b="-22222"/>
                 </a:stretch>
               </a:blipFill>
             </p:spPr>
@@ -9373,8 +9000,7 @@
               <a:gd name="adj1" fmla="val -168146"/>
             </a:avLst>
           </a:prstGeom>
-          <a:ln w="12700">
-            <a:prstDash val="sysDash"/>
+          <a:ln>
             <a:tailEnd type="triangle"/>
           </a:ln>
         </p:spPr>
@@ -9418,9 +9044,7 @@
               <a:gd name="adj1" fmla="val -91653"/>
             </a:avLst>
           </a:prstGeom>
-          <a:ln w="12700">
-            <a:prstDash val="sysDash"/>
-          </a:ln>
+          <a:ln/>
         </p:spPr>
         <p:style>
           <a:lnRef idx="1">
@@ -9437,8 +9061,8 @@
           </a:fontRef>
         </p:style>
       </p:cxnSp>
-      <mc:AlternateContent xmlns:mc="http://schemas.openxmlformats.org/markup-compatibility/2006">
-        <mc:Choice xmlns:a14="http://schemas.microsoft.com/office/drawing/2010/main" Requires="a14">
+      <mc:AlternateContent xmlns:mc="http://schemas.openxmlformats.org/markup-compatibility/2006" xmlns:a14="http://schemas.microsoft.com/office/drawing/2010/main">
+        <mc:Choice Requires="a14">
           <p:sp>
             <p:nvSpPr>
               <p:cNvPr id="92" name="TextBox 91">
@@ -9453,8 +9077,8 @@
             </p:nvSpPr>
             <p:spPr>
               <a:xfrm rot="16200000">
-                <a:off x="-1156161" y="3048143"/>
-                <a:ext cx="4737835" cy="459421"/>
+                <a:off x="-892692" y="3048143"/>
+                <a:ext cx="4210896" cy="459421"/>
               </a:xfrm>
               <a:prstGeom prst="rect">
                 <a:avLst/>
@@ -9467,6 +9091,7 @@
               </a:bodyPr>
               <a:lstStyle/>
               <a:p>
+                <a:pPr/>
                 <a14:m>
                   <m:oMathPara xmlns:m="http://schemas.openxmlformats.org/officeDocument/2006/math">
                     <m:oMathParaPr>
@@ -9491,8 +9116,9 @@
                       <m:r>
                         <a:rPr lang="fr-FR" sz="1600" b="0" i="1" smtClean="0">
                           <a:latin typeface="Cambria Math" panose="02040503050406030204" pitchFamily="18" charset="0"/>
+                          <a:ea typeface="Cambria Math" panose="02040503050406030204" pitchFamily="18" charset="0"/>
                         </a:rPr>
-                        <m:t>𝑠𝑟</m:t>
+                        <m:t>𝜓</m:t>
                       </m:r>
                       <m:r>
                         <a:rPr lang="fr-FR" sz="1600" b="0" i="1" smtClean="0">
@@ -9502,11 +9128,14 @@
                         <m:t>∙</m:t>
                       </m:r>
                       <m:r>
-                        <a:rPr lang="fr-FR" sz="1600" b="0" i="1" smtClean="0">
+                        <m:rPr>
+                          <m:sty m:val="p"/>
+                        </m:rPr>
+                        <a:rPr lang="el-GR" sz="1600" b="0" i="1" smtClean="0">
                           <a:latin typeface="Cambria Math" panose="02040503050406030204" pitchFamily="18" charset="0"/>
                           <a:ea typeface="Cambria Math" panose="02040503050406030204" pitchFamily="18" charset="0"/>
                         </a:rPr>
-                        <m:t>𝑝𝑜𝑟𝑡𝑒𝑒</m:t>
+                        <m:t>Θ</m:t>
                       </m:r>
                       <m:r>
                         <a:rPr lang="fr-FR" sz="1600" b="0" i="1" smtClean="0">
@@ -9726,7 +9355,7 @@
             </p:txBody>
           </p:sp>
         </mc:Choice>
-        <mc:Fallback>
+        <mc:Fallback xmlns="">
           <p:sp>
             <p:nvSpPr>
               <p:cNvPr id="92" name="TextBox 91">
@@ -9743,8 +9372,8 @@
             </p:nvSpPr>
             <p:spPr>
               <a:xfrm rot="16200000">
-                <a:off x="-1156161" y="3048143"/>
-                <a:ext cx="4737835" cy="459421"/>
+                <a:off x="-892692" y="3048143"/>
+                <a:ext cx="4210896" cy="459421"/>
               </a:xfrm>
               <a:prstGeom prst="rect">
                 <a:avLst/>
@@ -9753,6 +9382,394 @@
                 <a:blip r:embed="rId38"/>
                 <a:stretch>
                   <a:fillRect/>
+                </a:stretch>
+              </a:blipFill>
+            </p:spPr>
+            <p:txBody>
+              <a:bodyPr/>
+              <a:lstStyle/>
+              <a:p>
+                <a:r>
+                  <a:rPr lang="en-US">
+                    <a:noFill/>
+                  </a:rPr>
+                  <a:t> </a:t>
+                </a:r>
+              </a:p>
+            </p:txBody>
+          </p:sp>
+        </mc:Fallback>
+      </mc:AlternateContent>
+      <mc:AlternateContent xmlns:mc="http://schemas.openxmlformats.org/markup-compatibility/2006" xmlns:a14="http://schemas.microsoft.com/office/drawing/2010/main">
+        <mc:Choice Requires="a14">
+          <p:sp>
+            <p:nvSpPr>
+              <p:cNvPr id="2" name="TextBox 1">
+                <a:extLst>
+                  <a:ext uri="{FF2B5EF4-FFF2-40B4-BE49-F238E27FC236}">
+                    <a16:creationId xmlns:a16="http://schemas.microsoft.com/office/drawing/2014/main" id="{75F72C15-3643-D36B-C079-1B17AB217A3E}"/>
+                  </a:ext>
+                </a:extLst>
+              </p:cNvPr>
+              <p:cNvSpPr txBox="1"/>
+              <p:nvPr/>
+            </p:nvSpPr>
+            <p:spPr>
+              <a:xfrm>
+                <a:off x="7002098" y="3321448"/>
+                <a:ext cx="193193" cy="276999"/>
+              </a:xfrm>
+              <a:prstGeom prst="rect">
+                <a:avLst/>
+              </a:prstGeom>
+              <a:noFill/>
+            </p:spPr>
+            <p:txBody>
+              <a:bodyPr wrap="none" lIns="0" tIns="0" rIns="0" bIns="0" rtlCol="0">
+                <a:spAutoFit/>
+              </a:bodyPr>
+              <a:lstStyle/>
+              <a:p>
+                <a:pPr/>
+                <a14:m>
+                  <m:oMathPara xmlns:m="http://schemas.openxmlformats.org/officeDocument/2006/math">
+                    <m:oMathParaPr>
+                      <m:jc m:val="centerGroup"/>
+                    </m:oMathParaPr>
+                    <m:oMath xmlns:m="http://schemas.openxmlformats.org/officeDocument/2006/math">
+                      <m:r>
+                        <a:rPr lang="fr-FR" i="1" smtClean="0">
+                          <a:latin typeface="Cambria Math" panose="02040503050406030204" pitchFamily="18" charset="0"/>
+                          <a:ea typeface="Cambria Math" panose="02040503050406030204" pitchFamily="18" charset="0"/>
+                        </a:rPr>
+                        <m:t>𝜎</m:t>
+                      </m:r>
+                    </m:oMath>
+                  </m:oMathPara>
+                </a14:m>
+                <a:endParaRPr lang="en-US" dirty="0"/>
+              </a:p>
+            </p:txBody>
+          </p:sp>
+        </mc:Choice>
+        <mc:Fallback xmlns="">
+          <p:sp>
+            <p:nvSpPr>
+              <p:cNvPr id="2" name="TextBox 1">
+                <a:extLst>
+                  <a:ext uri="{FF2B5EF4-FFF2-40B4-BE49-F238E27FC236}">
+                    <a16:creationId xmlns:a16="http://schemas.microsoft.com/office/drawing/2014/main" id="{75F72C15-3643-D36B-C079-1B17AB217A3E}"/>
+                  </a:ext>
+                </a:extLst>
+              </p:cNvPr>
+              <p:cNvSpPr txBox="1">
+                <a:spLocks noRot="1" noChangeAspect="1" noMove="1" noResize="1" noEditPoints="1" noAdjustHandles="1" noChangeArrowheads="1" noChangeShapeType="1" noTextEdit="1"/>
+              </p:cNvSpPr>
+              <p:nvPr/>
+            </p:nvSpPr>
+            <p:spPr>
+              <a:xfrm>
+                <a:off x="7002098" y="3321448"/>
+                <a:ext cx="193193" cy="276999"/>
+              </a:xfrm>
+              <a:prstGeom prst="rect">
+                <a:avLst/>
+              </a:prstGeom>
+              <a:blipFill>
+                <a:blip r:embed="rId39"/>
+                <a:stretch>
+                  <a:fillRect l="-19355" r="-16129"/>
+                </a:stretch>
+              </a:blipFill>
+            </p:spPr>
+            <p:txBody>
+              <a:bodyPr/>
+              <a:lstStyle/>
+              <a:p>
+                <a:r>
+                  <a:rPr lang="en-US">
+                    <a:noFill/>
+                  </a:rPr>
+                  <a:t> </a:t>
+                </a:r>
+              </a:p>
+            </p:txBody>
+          </p:sp>
+        </mc:Fallback>
+      </mc:AlternateContent>
+      <mc:AlternateContent xmlns:mc="http://schemas.openxmlformats.org/markup-compatibility/2006" xmlns:a14="http://schemas.microsoft.com/office/drawing/2010/main">
+        <mc:Choice Requires="a14">
+          <p:sp>
+            <p:nvSpPr>
+              <p:cNvPr id="8" name="TextBox 7">
+                <a:extLst>
+                  <a:ext uri="{FF2B5EF4-FFF2-40B4-BE49-F238E27FC236}">
+                    <a16:creationId xmlns:a16="http://schemas.microsoft.com/office/drawing/2014/main" id="{DF3502F9-2D8A-F39E-F1F1-E6975C293360}"/>
+                  </a:ext>
+                </a:extLst>
+              </p:cNvPr>
+              <p:cNvSpPr txBox="1"/>
+              <p:nvPr/>
+            </p:nvSpPr>
+            <p:spPr>
+              <a:xfrm>
+                <a:off x="6994588" y="4783035"/>
+                <a:ext cx="193193" cy="276999"/>
+              </a:xfrm>
+              <a:prstGeom prst="rect">
+                <a:avLst/>
+              </a:prstGeom>
+              <a:noFill/>
+            </p:spPr>
+            <p:txBody>
+              <a:bodyPr wrap="none" lIns="0" tIns="0" rIns="0" bIns="0" rtlCol="0">
+                <a:spAutoFit/>
+              </a:bodyPr>
+              <a:lstStyle/>
+              <a:p>
+                <a:pPr/>
+                <a14:m>
+                  <m:oMathPara xmlns:m="http://schemas.openxmlformats.org/officeDocument/2006/math">
+                    <m:oMathParaPr>
+                      <m:jc m:val="centerGroup"/>
+                    </m:oMathParaPr>
+                    <m:oMath xmlns:m="http://schemas.openxmlformats.org/officeDocument/2006/math">
+                      <m:r>
+                        <a:rPr lang="fr-FR" i="1" smtClean="0">
+                          <a:latin typeface="Cambria Math" panose="02040503050406030204" pitchFamily="18" charset="0"/>
+                          <a:ea typeface="Cambria Math" panose="02040503050406030204" pitchFamily="18" charset="0"/>
+                        </a:rPr>
+                        <m:t>𝜎</m:t>
+                      </m:r>
+                    </m:oMath>
+                  </m:oMathPara>
+                </a14:m>
+                <a:endParaRPr lang="en-US" dirty="0"/>
+              </a:p>
+            </p:txBody>
+          </p:sp>
+        </mc:Choice>
+        <mc:Fallback xmlns="">
+          <p:sp>
+            <p:nvSpPr>
+              <p:cNvPr id="8" name="TextBox 7">
+                <a:extLst>
+                  <a:ext uri="{FF2B5EF4-FFF2-40B4-BE49-F238E27FC236}">
+                    <a16:creationId xmlns:a16="http://schemas.microsoft.com/office/drawing/2014/main" id="{DF3502F9-2D8A-F39E-F1F1-E6975C293360}"/>
+                  </a:ext>
+                </a:extLst>
+              </p:cNvPr>
+              <p:cNvSpPr txBox="1">
+                <a:spLocks noRot="1" noChangeAspect="1" noMove="1" noResize="1" noEditPoints="1" noAdjustHandles="1" noChangeArrowheads="1" noChangeShapeType="1" noTextEdit="1"/>
+              </p:cNvSpPr>
+              <p:nvPr/>
+            </p:nvSpPr>
+            <p:spPr>
+              <a:xfrm>
+                <a:off x="6994588" y="4783035"/>
+                <a:ext cx="193193" cy="276999"/>
+              </a:xfrm>
+              <a:prstGeom prst="rect">
+                <a:avLst/>
+              </a:prstGeom>
+              <a:blipFill>
+                <a:blip r:embed="rId40"/>
+                <a:stretch>
+                  <a:fillRect l="-18750" r="-12500"/>
+                </a:stretch>
+              </a:blipFill>
+            </p:spPr>
+            <p:txBody>
+              <a:bodyPr/>
+              <a:lstStyle/>
+              <a:p>
+                <a:r>
+                  <a:rPr lang="en-US">
+                    <a:noFill/>
+                  </a:rPr>
+                  <a:t> </a:t>
+                </a:r>
+              </a:p>
+            </p:txBody>
+          </p:sp>
+        </mc:Fallback>
+      </mc:AlternateContent>
+      <mc:AlternateContent xmlns:mc="http://schemas.openxmlformats.org/markup-compatibility/2006" xmlns:a14="http://schemas.microsoft.com/office/drawing/2010/main">
+        <mc:Choice Requires="a14">
+          <p:sp>
+            <p:nvSpPr>
+              <p:cNvPr id="26" name="TextBox 25">
+                <a:extLst>
+                  <a:ext uri="{FF2B5EF4-FFF2-40B4-BE49-F238E27FC236}">
+                    <a16:creationId xmlns:a16="http://schemas.microsoft.com/office/drawing/2014/main" id="{94999959-B60A-0E39-85BC-8EF0950382A4}"/>
+                  </a:ext>
+                </a:extLst>
+              </p:cNvPr>
+              <p:cNvSpPr txBox="1"/>
+              <p:nvPr/>
+            </p:nvSpPr>
+            <p:spPr>
+              <a:xfrm>
+                <a:off x="10009045" y="3277853"/>
+                <a:ext cx="180947" cy="276999"/>
+              </a:xfrm>
+              <a:prstGeom prst="rect">
+                <a:avLst/>
+              </a:prstGeom>
+              <a:noFill/>
+            </p:spPr>
+            <p:txBody>
+              <a:bodyPr wrap="none" lIns="0" tIns="0" rIns="0" bIns="0" rtlCol="0">
+                <a:spAutoFit/>
+              </a:bodyPr>
+              <a:lstStyle/>
+              <a:p>
+                <a:pPr/>
+                <a14:m>
+                  <m:oMathPara xmlns:m="http://schemas.openxmlformats.org/officeDocument/2006/math">
+                    <m:oMathParaPr>
+                      <m:jc m:val="centerGroup"/>
+                    </m:oMathParaPr>
+                    <m:oMath xmlns:m="http://schemas.openxmlformats.org/officeDocument/2006/math">
+                      <m:r>
+                        <a:rPr lang="fr-FR" i="1" smtClean="0">
+                          <a:latin typeface="Cambria Math" panose="02040503050406030204" pitchFamily="18" charset="0"/>
+                          <a:ea typeface="Cambria Math" panose="02040503050406030204" pitchFamily="18" charset="0"/>
+                        </a:rPr>
+                        <m:t>𝛾</m:t>
+                      </m:r>
+                    </m:oMath>
+                  </m:oMathPara>
+                </a14:m>
+                <a:endParaRPr lang="en-US" dirty="0"/>
+              </a:p>
+            </p:txBody>
+          </p:sp>
+        </mc:Choice>
+        <mc:Fallback xmlns="">
+          <p:sp>
+            <p:nvSpPr>
+              <p:cNvPr id="26" name="TextBox 25">
+                <a:extLst>
+                  <a:ext uri="{FF2B5EF4-FFF2-40B4-BE49-F238E27FC236}">
+                    <a16:creationId xmlns:a16="http://schemas.microsoft.com/office/drawing/2014/main" id="{94999959-B60A-0E39-85BC-8EF0950382A4}"/>
+                  </a:ext>
+                </a:extLst>
+              </p:cNvPr>
+              <p:cNvSpPr txBox="1">
+                <a:spLocks noRot="1" noChangeAspect="1" noMove="1" noResize="1" noEditPoints="1" noAdjustHandles="1" noChangeArrowheads="1" noChangeShapeType="1" noTextEdit="1"/>
+              </p:cNvSpPr>
+              <p:nvPr/>
+            </p:nvSpPr>
+            <p:spPr>
+              <a:xfrm>
+                <a:off x="10009045" y="3277853"/>
+                <a:ext cx="180947" cy="276999"/>
+              </a:xfrm>
+              <a:prstGeom prst="rect">
+                <a:avLst/>
+              </a:prstGeom>
+              <a:blipFill>
+                <a:blip r:embed="rId41"/>
+                <a:stretch>
+                  <a:fillRect l="-33333" r="-23333" b="-22222"/>
+                </a:stretch>
+              </a:blipFill>
+            </p:spPr>
+            <p:txBody>
+              <a:bodyPr/>
+              <a:lstStyle/>
+              <a:p>
+                <a:r>
+                  <a:rPr lang="en-US">
+                    <a:noFill/>
+                  </a:rPr>
+                  <a:t> </a:t>
+                </a:r>
+              </a:p>
+            </p:txBody>
+          </p:sp>
+        </mc:Fallback>
+      </mc:AlternateContent>
+      <mc:AlternateContent xmlns:mc="http://schemas.openxmlformats.org/markup-compatibility/2006" xmlns:a14="http://schemas.microsoft.com/office/drawing/2010/main">
+        <mc:Choice Requires="a14">
+          <p:sp>
+            <p:nvSpPr>
+              <p:cNvPr id="27" name="TextBox 26">
+                <a:extLst>
+                  <a:ext uri="{FF2B5EF4-FFF2-40B4-BE49-F238E27FC236}">
+                    <a16:creationId xmlns:a16="http://schemas.microsoft.com/office/drawing/2014/main" id="{942512F6-CB21-B2C1-47F4-ACF6FBB81BAC}"/>
+                  </a:ext>
+                </a:extLst>
+              </p:cNvPr>
+              <p:cNvSpPr txBox="1"/>
+              <p:nvPr/>
+            </p:nvSpPr>
+            <p:spPr>
+              <a:xfrm>
+                <a:off x="10009045" y="4789641"/>
+                <a:ext cx="180947" cy="276999"/>
+              </a:xfrm>
+              <a:prstGeom prst="rect">
+                <a:avLst/>
+              </a:prstGeom>
+              <a:noFill/>
+            </p:spPr>
+            <p:txBody>
+              <a:bodyPr wrap="none" lIns="0" tIns="0" rIns="0" bIns="0" rtlCol="0">
+                <a:spAutoFit/>
+              </a:bodyPr>
+              <a:lstStyle/>
+              <a:p>
+                <a:pPr/>
+                <a14:m>
+                  <m:oMathPara xmlns:m="http://schemas.openxmlformats.org/officeDocument/2006/math">
+                    <m:oMathParaPr>
+                      <m:jc m:val="centerGroup"/>
+                    </m:oMathParaPr>
+                    <m:oMath xmlns:m="http://schemas.openxmlformats.org/officeDocument/2006/math">
+                      <m:r>
+                        <a:rPr lang="fr-FR" i="1" smtClean="0">
+                          <a:latin typeface="Cambria Math" panose="02040503050406030204" pitchFamily="18" charset="0"/>
+                          <a:ea typeface="Cambria Math" panose="02040503050406030204" pitchFamily="18" charset="0"/>
+                        </a:rPr>
+                        <m:t>𝛾</m:t>
+                      </m:r>
+                    </m:oMath>
+                  </m:oMathPara>
+                </a14:m>
+                <a:endParaRPr lang="en-US" dirty="0"/>
+              </a:p>
+            </p:txBody>
+          </p:sp>
+        </mc:Choice>
+        <mc:Fallback xmlns="">
+          <p:sp>
+            <p:nvSpPr>
+              <p:cNvPr id="27" name="TextBox 26">
+                <a:extLst>
+                  <a:ext uri="{FF2B5EF4-FFF2-40B4-BE49-F238E27FC236}">
+                    <a16:creationId xmlns:a16="http://schemas.microsoft.com/office/drawing/2014/main" id="{942512F6-CB21-B2C1-47F4-ACF6FBB81BAC}"/>
+                  </a:ext>
+                </a:extLst>
+              </p:cNvPr>
+              <p:cNvSpPr txBox="1">
+                <a:spLocks noRot="1" noChangeAspect="1" noMove="1" noResize="1" noEditPoints="1" noAdjustHandles="1" noChangeArrowheads="1" noChangeShapeType="1" noTextEdit="1"/>
+              </p:cNvSpPr>
+              <p:nvPr/>
+            </p:nvSpPr>
+            <p:spPr>
+              <a:xfrm>
+                <a:off x="10009045" y="4789641"/>
+                <a:ext cx="180947" cy="276999"/>
+              </a:xfrm>
+              <a:prstGeom prst="rect">
+                <a:avLst/>
+              </a:prstGeom>
+              <a:blipFill>
+                <a:blip r:embed="rId42"/>
+                <a:stretch>
+                  <a:fillRect l="-33333" r="-23333" b="-22222"/>
                 </a:stretch>
               </a:blipFill>
             </p:spPr>

--- a/Schéma MEPI.pptx
+++ b/Schéma MEPI.pptx
@@ -197,7 +197,7 @@
           <a:p>
             <a:fld id="{A63BCDBA-15DF-4AE0-9D6F-BF720B3E0252}" type="datetimeFigureOut">
               <a:rPr lang="en-US" smtClean="0"/>
-              <a:t>10/10/2023</a:t>
+              <a:t>10/25/2023</a:t>
             </a:fld>
             <a:endParaRPr lang="en-US"/>
           </a:p>
@@ -596,7 +596,7 @@
           <a:p>
             <a:fld id="{A5AF9A6A-1F81-4236-8DE6-52D7EE79203B}" type="datetimeFigureOut">
               <a:rPr lang="en-US" smtClean="0"/>
-              <a:t>10/10/2023</a:t>
+              <a:t>10/25/2023</a:t>
             </a:fld>
             <a:endParaRPr lang="en-US"/>
           </a:p>
@@ -766,7 +766,7 @@
           <a:p>
             <a:fld id="{A5AF9A6A-1F81-4236-8DE6-52D7EE79203B}" type="datetimeFigureOut">
               <a:rPr lang="en-US" smtClean="0"/>
-              <a:t>10/10/2023</a:t>
+              <a:t>10/25/2023</a:t>
             </a:fld>
             <a:endParaRPr lang="en-US"/>
           </a:p>
@@ -946,7 +946,7 @@
           <a:p>
             <a:fld id="{A5AF9A6A-1F81-4236-8DE6-52D7EE79203B}" type="datetimeFigureOut">
               <a:rPr lang="en-US" smtClean="0"/>
-              <a:t>10/10/2023</a:t>
+              <a:t>10/25/2023</a:t>
             </a:fld>
             <a:endParaRPr lang="en-US"/>
           </a:p>
@@ -1116,7 +1116,7 @@
           <a:p>
             <a:fld id="{A5AF9A6A-1F81-4236-8DE6-52D7EE79203B}" type="datetimeFigureOut">
               <a:rPr lang="en-US" smtClean="0"/>
-              <a:t>10/10/2023</a:t>
+              <a:t>10/25/2023</a:t>
             </a:fld>
             <a:endParaRPr lang="en-US"/>
           </a:p>
@@ -1362,7 +1362,7 @@
           <a:p>
             <a:fld id="{A5AF9A6A-1F81-4236-8DE6-52D7EE79203B}" type="datetimeFigureOut">
               <a:rPr lang="en-US" smtClean="0"/>
-              <a:t>10/10/2023</a:t>
+              <a:t>10/25/2023</a:t>
             </a:fld>
             <a:endParaRPr lang="en-US"/>
           </a:p>
@@ -1594,7 +1594,7 @@
           <a:p>
             <a:fld id="{A5AF9A6A-1F81-4236-8DE6-52D7EE79203B}" type="datetimeFigureOut">
               <a:rPr lang="en-US" smtClean="0"/>
-              <a:t>10/10/2023</a:t>
+              <a:t>10/25/2023</a:t>
             </a:fld>
             <a:endParaRPr lang="en-US"/>
           </a:p>
@@ -1961,7 +1961,7 @@
           <a:p>
             <a:fld id="{A5AF9A6A-1F81-4236-8DE6-52D7EE79203B}" type="datetimeFigureOut">
               <a:rPr lang="en-US" smtClean="0"/>
-              <a:t>10/10/2023</a:t>
+              <a:t>10/25/2023</a:t>
             </a:fld>
             <a:endParaRPr lang="en-US"/>
           </a:p>
@@ -2079,7 +2079,7 @@
           <a:p>
             <a:fld id="{A5AF9A6A-1F81-4236-8DE6-52D7EE79203B}" type="datetimeFigureOut">
               <a:rPr lang="en-US" smtClean="0"/>
-              <a:t>10/10/2023</a:t>
+              <a:t>10/25/2023</a:t>
             </a:fld>
             <a:endParaRPr lang="en-US"/>
           </a:p>
@@ -2174,7 +2174,7 @@
           <a:p>
             <a:fld id="{A5AF9A6A-1F81-4236-8DE6-52D7EE79203B}" type="datetimeFigureOut">
               <a:rPr lang="en-US" smtClean="0"/>
-              <a:t>10/10/2023</a:t>
+              <a:t>10/25/2023</a:t>
             </a:fld>
             <a:endParaRPr lang="en-US"/>
           </a:p>
@@ -2451,7 +2451,7 @@
           <a:p>
             <a:fld id="{A5AF9A6A-1F81-4236-8DE6-52D7EE79203B}" type="datetimeFigureOut">
               <a:rPr lang="en-US" smtClean="0"/>
-              <a:t>10/10/2023</a:t>
+              <a:t>10/25/2023</a:t>
             </a:fld>
             <a:endParaRPr lang="en-US"/>
           </a:p>
@@ -2708,7 +2708,7 @@
           <a:p>
             <a:fld id="{A5AF9A6A-1F81-4236-8DE6-52D7EE79203B}" type="datetimeFigureOut">
               <a:rPr lang="en-US" smtClean="0"/>
-              <a:t>10/10/2023</a:t>
+              <a:t>10/25/2023</a:t>
             </a:fld>
             <a:endParaRPr lang="en-US"/>
           </a:p>
@@ -2921,7 +2921,7 @@
           <a:p>
             <a:fld id="{A5AF9A6A-1F81-4236-8DE6-52D7EE79203B}" type="datetimeFigureOut">
               <a:rPr lang="en-US" smtClean="0"/>
-              <a:t>10/10/2023</a:t>
+              <a:t>10/25/2023</a:t>
             </a:fld>
             <a:endParaRPr lang="en-US"/>
           </a:p>
@@ -4615,139 +4615,6 @@
           </a:fontRef>
         </p:style>
       </p:cxnSp>
-      <p:cxnSp>
-        <p:nvCxnSpPr>
-          <p:cNvPr id="61" name="Connector: Curved 60">
-            <a:extLst>
-              <a:ext uri="{FF2B5EF4-FFF2-40B4-BE49-F238E27FC236}">
-                <a16:creationId xmlns:a16="http://schemas.microsoft.com/office/drawing/2014/main" id="{E5AE0F92-AD9A-98B9-229D-BB29B287C50F}"/>
-              </a:ext>
-            </a:extLst>
-          </p:cNvPr>
-          <p:cNvCxnSpPr>
-            <a:cxnSpLocks/>
-            <a:stCxn id="10" idx="0"/>
-            <a:endCxn id="4" idx="0"/>
-          </p:cNvCxnSpPr>
-          <p:nvPr/>
-        </p:nvCxnSpPr>
-        <p:spPr>
-          <a:xfrm rot="16200000" flipH="1" flipV="1">
-            <a:off x="7106426" y="-3653409"/>
-            <a:ext cx="2" cy="9006321"/>
-          </a:xfrm>
-          <a:prstGeom prst="curvedConnector3">
-            <a:avLst>
-              <a:gd name="adj1" fmla="val -11430000000"/>
-            </a:avLst>
-          </a:prstGeom>
-          <a:ln>
-            <a:tailEnd type="triangle"/>
-          </a:ln>
-        </p:spPr>
-        <p:style>
-          <a:lnRef idx="1">
-            <a:schemeClr val="dk1"/>
-          </a:lnRef>
-          <a:fillRef idx="0">
-            <a:schemeClr val="dk1"/>
-          </a:fillRef>
-          <a:effectRef idx="0">
-            <a:schemeClr val="dk1"/>
-          </a:effectRef>
-          <a:fontRef idx="minor">
-            <a:schemeClr val="tx1"/>
-          </a:fontRef>
-        </p:style>
-      </p:cxnSp>
-      <p:cxnSp>
-        <p:nvCxnSpPr>
-          <p:cNvPr id="76" name="Connector: Curved 75">
-            <a:extLst>
-              <a:ext uri="{FF2B5EF4-FFF2-40B4-BE49-F238E27FC236}">
-                <a16:creationId xmlns:a16="http://schemas.microsoft.com/office/drawing/2014/main" id="{F747A8D3-B5B1-F270-0840-AC16BDFE783F}"/>
-              </a:ext>
-            </a:extLst>
-          </p:cNvPr>
-          <p:cNvCxnSpPr>
-            <a:cxnSpLocks/>
-            <a:stCxn id="13" idx="0"/>
-            <a:endCxn id="5" idx="0"/>
-          </p:cNvCxnSpPr>
-          <p:nvPr/>
-        </p:nvCxnSpPr>
-        <p:spPr>
-          <a:xfrm rot="16200000" flipH="1" flipV="1">
-            <a:off x="7106427" y="-1660662"/>
-            <a:ext cx="2" cy="9006321"/>
-          </a:xfrm>
-          <a:prstGeom prst="curvedConnector3">
-            <a:avLst>
-              <a:gd name="adj1" fmla="val -11430000000"/>
-            </a:avLst>
-          </a:prstGeom>
-          <a:ln>
-            <a:tailEnd type="triangle"/>
-          </a:ln>
-        </p:spPr>
-        <p:style>
-          <a:lnRef idx="1">
-            <a:schemeClr val="dk1"/>
-          </a:lnRef>
-          <a:fillRef idx="0">
-            <a:schemeClr val="dk1"/>
-          </a:fillRef>
-          <a:effectRef idx="0">
-            <a:schemeClr val="dk1"/>
-          </a:effectRef>
-          <a:fontRef idx="minor">
-            <a:schemeClr val="tx1"/>
-          </a:fontRef>
-        </p:style>
-      </p:cxnSp>
-      <p:cxnSp>
-        <p:nvCxnSpPr>
-          <p:cNvPr id="77" name="Connector: Curved 76">
-            <a:extLst>
-              <a:ext uri="{FF2B5EF4-FFF2-40B4-BE49-F238E27FC236}">
-                <a16:creationId xmlns:a16="http://schemas.microsoft.com/office/drawing/2014/main" id="{F6F5703A-9D18-57E0-F428-D9FD4427DD0A}"/>
-              </a:ext>
-            </a:extLst>
-          </p:cNvPr>
-          <p:cNvCxnSpPr>
-            <a:cxnSpLocks/>
-          </p:cNvCxnSpPr>
-          <p:nvPr/>
-        </p:nvCxnSpPr>
-        <p:spPr>
-          <a:xfrm rot="5400000" flipH="1">
-            <a:off x="7106424" y="997678"/>
-            <a:ext cx="2" cy="9006321"/>
-          </a:xfrm>
-          <a:prstGeom prst="curvedConnector3">
-            <a:avLst>
-              <a:gd name="adj1" fmla="val -11430000000"/>
-            </a:avLst>
-          </a:prstGeom>
-          <a:ln>
-            <a:tailEnd type="triangle"/>
-          </a:ln>
-        </p:spPr>
-        <p:style>
-          <a:lnRef idx="1">
-            <a:schemeClr val="dk1"/>
-          </a:lnRef>
-          <a:fillRef idx="0">
-            <a:schemeClr val="dk1"/>
-          </a:fillRef>
-          <a:effectRef idx="0">
-            <a:schemeClr val="dk1"/>
-          </a:effectRef>
-          <a:fontRef idx="minor">
-            <a:schemeClr val="tx1"/>
-          </a:fontRef>
-        </p:style>
-      </p:cxnSp>
       <mc:AlternateContent xmlns:mc="http://schemas.openxmlformats.org/markup-compatibility/2006" xmlns:a14="http://schemas.microsoft.com/office/drawing/2010/main">
         <mc:Choice Requires="a14">
           <p:sp>
@@ -4788,17 +4655,17 @@
                       <m:sSub>
                         <m:sSubPr>
                           <m:ctrlPr>
-                            <a:rPr lang="fr-FR" sz="2400" i="1" dirty="0">
+                            <a:rPr lang="fr-FR" sz="2400" i="1" dirty="0" smtClean="0">
                               <a:latin typeface="Cambria Math" panose="02040503050406030204" pitchFamily="18" charset="0"/>
                             </a:rPr>
                           </m:ctrlPr>
                         </m:sSubPr>
                         <m:e>
                           <m:r>
-                            <a:rPr lang="fr-FR" sz="2400" i="1" dirty="0">
+                            <a:rPr lang="fr-FR" sz="2400" b="0" i="1" dirty="0" smtClean="0">
                               <a:latin typeface="Cambria Math" panose="02040503050406030204" pitchFamily="18" charset="0"/>
                             </a:rPr>
-                            <m:t>𝐽</m:t>
+                            <m:t>𝐿</m:t>
                           </m:r>
                         </m:e>
                         <m:sub>
@@ -4844,7 +4711,7 @@
               <a:blipFill>
                 <a:blip r:embed="rId2"/>
                 <a:stretch>
-                  <a:fillRect b="-13158"/>
+                  <a:fillRect b="-1316"/>
                 </a:stretch>
               </a:blipFill>
             </p:spPr>
@@ -4879,7 +4746,7 @@
             </p:nvSpPr>
             <p:spPr>
               <a:xfrm>
-                <a:off x="2291974" y="2935155"/>
+                <a:off x="2357290" y="2916493"/>
                 <a:ext cx="535419" cy="461665"/>
               </a:xfrm>
               <a:prstGeom prst="rect">
@@ -4903,23 +4770,17 @@
                       <m:sSub>
                         <m:sSubPr>
                           <m:ctrlPr>
-                            <a:rPr lang="fr-FR" sz="2400" i="1" dirty="0">
+                            <a:rPr lang="fr-FR" sz="2400" i="1" dirty="0" smtClean="0">
                               <a:latin typeface="Cambria Math" panose="02040503050406030204" pitchFamily="18" charset="0"/>
                             </a:rPr>
                           </m:ctrlPr>
                         </m:sSubPr>
                         <m:e>
                           <m:r>
-                            <a:rPr lang="fr-FR" sz="2400" i="1" dirty="0">
+                            <a:rPr lang="fr-FR" sz="2400" b="0" i="1" dirty="0" smtClean="0">
                               <a:latin typeface="Cambria Math" panose="02040503050406030204" pitchFamily="18" charset="0"/>
                             </a:rPr>
-                            <m:t>𝐴</m:t>
-                          </m:r>
-                          <m:r>
-                            <a:rPr lang="fr-FR" sz="2400" i="1" dirty="0">
-                              <a:latin typeface="Cambria Math" panose="02040503050406030204" pitchFamily="18" charset="0"/>
-                            </a:rPr>
-                            <m:t>1</m:t>
+                            <m:t>𝐽</m:t>
                           </m:r>
                         </m:e>
                         <m:sub>
@@ -4956,7 +4817,7 @@
             </p:nvSpPr>
             <p:spPr>
               <a:xfrm>
-                <a:off x="2291974" y="2935155"/>
+                <a:off x="2357290" y="2916493"/>
                 <a:ext cx="535419" cy="461665"/>
               </a:xfrm>
               <a:prstGeom prst="rect">
@@ -4965,7 +4826,7 @@
               <a:blipFill>
                 <a:blip r:embed="rId3"/>
                 <a:stretch>
-                  <a:fillRect l="-3409" r="-20455" b="-1316"/>
+                  <a:fillRect b="-13158"/>
                 </a:stretch>
               </a:blipFill>
             </p:spPr>
@@ -5000,7 +4861,7 @@
             </p:nvSpPr>
             <p:spPr>
               <a:xfrm>
-                <a:off x="2291974" y="4937710"/>
+                <a:off x="2347959" y="4909717"/>
                 <a:ext cx="535419" cy="461665"/>
               </a:xfrm>
               <a:prstGeom prst="rect">
@@ -5035,12 +4896,6 @@
                               <a:latin typeface="Cambria Math" panose="02040503050406030204" pitchFamily="18" charset="0"/>
                             </a:rPr>
                             <m:t>𝐴</m:t>
-                          </m:r>
-                          <m:r>
-                            <a:rPr lang="fr-FR" sz="2400" i="1" dirty="0">
-                              <a:latin typeface="Cambria Math" panose="02040503050406030204" pitchFamily="18" charset="0"/>
-                            </a:rPr>
-                            <m:t>2</m:t>
                           </m:r>
                         </m:e>
                         <m:sub>
@@ -5077,7 +4932,7 @@
             </p:nvSpPr>
             <p:spPr>
               <a:xfrm>
-                <a:off x="2291974" y="4937710"/>
+                <a:off x="2347959" y="4909717"/>
                 <a:ext cx="535419" cy="461665"/>
               </a:xfrm>
               <a:prstGeom prst="rect">
@@ -5086,7 +4941,7 @@
               <a:blipFill>
                 <a:blip r:embed="rId4"/>
                 <a:stretch>
-                  <a:fillRect l="-3409" r="-20455" b="-1316"/>
+                  <a:fillRect b="-1316"/>
                 </a:stretch>
               </a:blipFill>
             </p:spPr>
@@ -5121,7 +4976,7 @@
             </p:nvSpPr>
             <p:spPr>
               <a:xfrm>
-                <a:off x="5294082" y="4932300"/>
+                <a:off x="5350067" y="4904307"/>
                 <a:ext cx="535419" cy="461665"/>
               </a:xfrm>
               <a:prstGeom prst="rect">
@@ -5156,12 +5011,6 @@
                               <a:latin typeface="Cambria Math" panose="02040503050406030204" pitchFamily="18" charset="0"/>
                             </a:rPr>
                             <m:t>𝐴</m:t>
-                          </m:r>
-                          <m:r>
-                            <a:rPr lang="fr-FR" sz="2400" i="1" dirty="0">
-                              <a:latin typeface="Cambria Math" panose="02040503050406030204" pitchFamily="18" charset="0"/>
-                            </a:rPr>
-                            <m:t>2</m:t>
                           </m:r>
                         </m:e>
                         <m:sub>
@@ -5198,7 +5047,7 @@
             </p:nvSpPr>
             <p:spPr>
               <a:xfrm>
-                <a:off x="5294082" y="4932300"/>
+                <a:off x="5350067" y="4904307"/>
                 <a:ext cx="535419" cy="461665"/>
               </a:xfrm>
               <a:prstGeom prst="rect">
@@ -5207,7 +5056,7 @@
               <a:blipFill>
                 <a:blip r:embed="rId5"/>
                 <a:stretch>
-                  <a:fillRect l="-2273" r="-26136" b="-1316"/>
+                  <a:fillRect l="-3448" b="-1333"/>
                 </a:stretch>
               </a:blipFill>
             </p:spPr>
@@ -5242,7 +5091,7 @@
             </p:nvSpPr>
             <p:spPr>
               <a:xfrm>
-                <a:off x="8318411" y="4942112"/>
+                <a:off x="8374396" y="4914119"/>
                 <a:ext cx="535419" cy="461665"/>
               </a:xfrm>
               <a:prstGeom prst="rect">
@@ -5277,12 +5126,6 @@
                               <a:latin typeface="Cambria Math" panose="02040503050406030204" pitchFamily="18" charset="0"/>
                             </a:rPr>
                             <m:t>𝐴</m:t>
-                          </m:r>
-                          <m:r>
-                            <a:rPr lang="fr-FR" sz="2400" i="1" dirty="0">
-                              <a:latin typeface="Cambria Math" panose="02040503050406030204" pitchFamily="18" charset="0"/>
-                            </a:rPr>
-                            <m:t>2</m:t>
                           </m:r>
                         </m:e>
                         <m:sub>
@@ -5319,7 +5162,7 @@
             </p:nvSpPr>
             <p:spPr>
               <a:xfrm>
-                <a:off x="8318411" y="4942112"/>
+                <a:off x="8374396" y="4914119"/>
                 <a:ext cx="535419" cy="461665"/>
               </a:xfrm>
               <a:prstGeom prst="rect">
@@ -5328,7 +5171,7 @@
               <a:blipFill>
                 <a:blip r:embed="rId6"/>
                 <a:stretch>
-                  <a:fillRect l="-3448" r="-16092" b="-1333"/>
+                  <a:fillRect b="-1316"/>
                 </a:stretch>
               </a:blipFill>
             </p:spPr>
@@ -5363,7 +5206,7 @@
             </p:nvSpPr>
             <p:spPr>
               <a:xfrm>
-                <a:off x="11280110" y="4942111"/>
+                <a:off x="11336095" y="4914118"/>
                 <a:ext cx="535419" cy="461665"/>
               </a:xfrm>
               <a:prstGeom prst="rect">
@@ -5398,12 +5241,6 @@
                               <a:latin typeface="Cambria Math" panose="02040503050406030204" pitchFamily="18" charset="0"/>
                             </a:rPr>
                             <m:t>𝐴</m:t>
-                          </m:r>
-                          <m:r>
-                            <a:rPr lang="fr-FR" sz="2400" i="1" dirty="0">
-                              <a:latin typeface="Cambria Math" panose="02040503050406030204" pitchFamily="18" charset="0"/>
-                            </a:rPr>
-                            <m:t>2</m:t>
                           </m:r>
                         </m:e>
                         <m:sub>
@@ -5440,7 +5277,7 @@
             </p:nvSpPr>
             <p:spPr>
               <a:xfrm>
-                <a:off x="11280110" y="4942111"/>
+                <a:off x="11336095" y="4914118"/>
                 <a:ext cx="535419" cy="461665"/>
               </a:xfrm>
               <a:prstGeom prst="rect">
@@ -5449,7 +5286,7 @@
               <a:blipFill>
                 <a:blip r:embed="rId7"/>
                 <a:stretch>
-                  <a:fillRect l="-2273" r="-26136" b="-1333"/>
+                  <a:fillRect l="-3448" b="-1316"/>
                 </a:stretch>
               </a:blipFill>
             </p:spPr>
@@ -5484,7 +5321,7 @@
             </p:nvSpPr>
             <p:spPr>
               <a:xfrm>
-                <a:off x="5294081" y="2935155"/>
+                <a:off x="5359397" y="2916493"/>
                 <a:ext cx="535419" cy="461665"/>
               </a:xfrm>
               <a:prstGeom prst="rect">
@@ -5508,23 +5345,17 @@
                       <m:sSub>
                         <m:sSubPr>
                           <m:ctrlPr>
-                            <a:rPr lang="fr-FR" sz="2400" i="1" dirty="0">
+                            <a:rPr lang="fr-FR" sz="2400" i="1" dirty="0" smtClean="0">
                               <a:latin typeface="Cambria Math" panose="02040503050406030204" pitchFamily="18" charset="0"/>
                             </a:rPr>
                           </m:ctrlPr>
                         </m:sSubPr>
                         <m:e>
                           <m:r>
-                            <a:rPr lang="fr-FR" sz="2400" i="1" dirty="0">
+                            <a:rPr lang="fr-FR" sz="2400" b="0" i="1" dirty="0" smtClean="0">
                               <a:latin typeface="Cambria Math" panose="02040503050406030204" pitchFamily="18" charset="0"/>
                             </a:rPr>
-                            <m:t>𝐴</m:t>
-                          </m:r>
-                          <m:r>
-                            <a:rPr lang="fr-FR" sz="2400" i="1" dirty="0">
-                              <a:latin typeface="Cambria Math" panose="02040503050406030204" pitchFamily="18" charset="0"/>
-                            </a:rPr>
-                            <m:t>1</m:t>
+                            <m:t>𝐽</m:t>
                           </m:r>
                         </m:e>
                         <m:sub>
@@ -5561,7 +5392,7 @@
             </p:nvSpPr>
             <p:spPr>
               <a:xfrm>
-                <a:off x="5294081" y="2935155"/>
+                <a:off x="5359397" y="2916493"/>
                 <a:ext cx="535419" cy="461665"/>
               </a:xfrm>
               <a:prstGeom prst="rect">
@@ -5570,7 +5401,7 @@
               <a:blipFill>
                 <a:blip r:embed="rId8"/>
                 <a:stretch>
-                  <a:fillRect l="-2273" r="-26136" b="-1316"/>
+                  <a:fillRect b="-13158"/>
                 </a:stretch>
               </a:blipFill>
             </p:spPr>
@@ -5605,7 +5436,7 @@
             </p:nvSpPr>
             <p:spPr>
               <a:xfrm>
-                <a:off x="8318410" y="2935154"/>
+                <a:off x="8383726" y="2916492"/>
                 <a:ext cx="535419" cy="461665"/>
               </a:xfrm>
               <a:prstGeom prst="rect">
@@ -5629,23 +5460,17 @@
                       <m:sSub>
                         <m:sSubPr>
                           <m:ctrlPr>
-                            <a:rPr lang="fr-FR" sz="2400" i="1" dirty="0">
+                            <a:rPr lang="fr-FR" sz="2400" i="1" dirty="0" smtClean="0">
                               <a:latin typeface="Cambria Math" panose="02040503050406030204" pitchFamily="18" charset="0"/>
                             </a:rPr>
                           </m:ctrlPr>
                         </m:sSubPr>
                         <m:e>
                           <m:r>
-                            <a:rPr lang="fr-FR" sz="2400" i="1" dirty="0">
+                            <a:rPr lang="fr-FR" sz="2400" b="0" i="1" dirty="0" smtClean="0">
                               <a:latin typeface="Cambria Math" panose="02040503050406030204" pitchFamily="18" charset="0"/>
                             </a:rPr>
-                            <m:t>𝐴</m:t>
-                          </m:r>
-                          <m:r>
-                            <a:rPr lang="fr-FR" sz="2400" i="1" dirty="0">
-                              <a:latin typeface="Cambria Math" panose="02040503050406030204" pitchFamily="18" charset="0"/>
-                            </a:rPr>
-                            <m:t>1</m:t>
+                            <m:t>𝐽</m:t>
                           </m:r>
                         </m:e>
                         <m:sub>
@@ -5682,7 +5507,7 @@
             </p:nvSpPr>
             <p:spPr>
               <a:xfrm>
-                <a:off x="8318410" y="2935154"/>
+                <a:off x="8383726" y="2916492"/>
                 <a:ext cx="535419" cy="461665"/>
               </a:xfrm>
               <a:prstGeom prst="rect">
@@ -5691,7 +5516,7 @@
               <a:blipFill>
                 <a:blip r:embed="rId9"/>
                 <a:stretch>
-                  <a:fillRect l="-3448" r="-16092" b="-1316"/>
+                  <a:fillRect b="-13158"/>
                 </a:stretch>
               </a:blipFill>
             </p:spPr>
@@ -5726,7 +5551,7 @@
             </p:nvSpPr>
             <p:spPr>
               <a:xfrm>
-                <a:off x="11280110" y="2922817"/>
+                <a:off x="11345426" y="2904155"/>
                 <a:ext cx="535419" cy="461665"/>
               </a:xfrm>
               <a:prstGeom prst="rect">
@@ -5750,23 +5575,17 @@
                       <m:sSub>
                         <m:sSubPr>
                           <m:ctrlPr>
-                            <a:rPr lang="fr-FR" sz="2400" i="1" dirty="0">
+                            <a:rPr lang="fr-FR" sz="2400" i="1" dirty="0" smtClean="0">
                               <a:latin typeface="Cambria Math" panose="02040503050406030204" pitchFamily="18" charset="0"/>
                             </a:rPr>
                           </m:ctrlPr>
                         </m:sSubPr>
                         <m:e>
                           <m:r>
-                            <a:rPr lang="fr-FR" sz="2400" i="1" dirty="0">
+                            <a:rPr lang="fr-FR" sz="2400" b="0" i="1" dirty="0" smtClean="0">
                               <a:latin typeface="Cambria Math" panose="02040503050406030204" pitchFamily="18" charset="0"/>
                             </a:rPr>
-                            <m:t>𝐴</m:t>
-                          </m:r>
-                          <m:r>
-                            <a:rPr lang="fr-FR" sz="2400" i="1" dirty="0">
-                              <a:latin typeface="Cambria Math" panose="02040503050406030204" pitchFamily="18" charset="0"/>
-                            </a:rPr>
-                            <m:t>1</m:t>
+                            <m:t>𝐽</m:t>
                           </m:r>
                         </m:e>
                         <m:sub>
@@ -5803,7 +5622,7 @@
             </p:nvSpPr>
             <p:spPr>
               <a:xfrm>
-                <a:off x="11280110" y="2922817"/>
+                <a:off x="11345426" y="2904155"/>
                 <a:ext cx="535419" cy="461665"/>
               </a:xfrm>
               <a:prstGeom prst="rect">
@@ -5812,7 +5631,7 @@
               <a:blipFill>
                 <a:blip r:embed="rId10"/>
                 <a:stretch>
-                  <a:fillRect l="-2273" r="-26136" b="-1316"/>
+                  <a:fillRect b="-13158"/>
                 </a:stretch>
               </a:blipFill>
             </p:spPr>
@@ -5871,17 +5690,17 @@
                       <m:sSub>
                         <m:sSubPr>
                           <m:ctrlPr>
-                            <a:rPr lang="fr-FR" sz="2400" i="1" dirty="0">
+                            <a:rPr lang="fr-FR" sz="2400" i="1" dirty="0" smtClean="0">
                               <a:latin typeface="Cambria Math" panose="02040503050406030204" pitchFamily="18" charset="0"/>
                             </a:rPr>
                           </m:ctrlPr>
                         </m:sSubPr>
                         <m:e>
                           <m:r>
-                            <a:rPr lang="fr-FR" sz="2400" i="1" dirty="0">
+                            <a:rPr lang="fr-FR" sz="2400" b="0" i="1" dirty="0" smtClean="0">
                               <a:latin typeface="Cambria Math" panose="02040503050406030204" pitchFamily="18" charset="0"/>
                             </a:rPr>
-                            <m:t>𝐽</m:t>
+                            <m:t>𝐿</m:t>
                           </m:r>
                         </m:e>
                         <m:sub>
@@ -5927,7 +5746,7 @@
               <a:blipFill>
                 <a:blip r:embed="rId11"/>
                 <a:stretch>
-                  <a:fillRect b="-13158"/>
+                  <a:fillRect l="-1136" b="-1316"/>
                 </a:stretch>
               </a:blipFill>
             </p:spPr>
@@ -5986,17 +5805,17 @@
                       <m:sSub>
                         <m:sSubPr>
                           <m:ctrlPr>
-                            <a:rPr lang="fr-FR" sz="2400" i="1" dirty="0">
+                            <a:rPr lang="fr-FR" sz="2400" i="1" dirty="0" smtClean="0">
                               <a:latin typeface="Cambria Math" panose="02040503050406030204" pitchFamily="18" charset="0"/>
                             </a:rPr>
                           </m:ctrlPr>
                         </m:sSubPr>
                         <m:e>
                           <m:r>
-                            <a:rPr lang="fr-FR" sz="2400" i="1" dirty="0">
+                            <a:rPr lang="fr-FR" sz="2400" b="0" i="1" dirty="0" smtClean="0">
                               <a:latin typeface="Cambria Math" panose="02040503050406030204" pitchFamily="18" charset="0"/>
                             </a:rPr>
-                            <m:t>𝐽</m:t>
+                            <m:t>𝐿</m:t>
                           </m:r>
                         </m:e>
                         <m:sub>
@@ -6042,7 +5861,7 @@
               <a:blipFill>
                 <a:blip r:embed="rId12"/>
                 <a:stretch>
-                  <a:fillRect b="-13158"/>
+                  <a:fillRect b="-1316"/>
                 </a:stretch>
               </a:blipFill>
             </p:spPr>
@@ -6101,17 +5920,17 @@
                       <m:sSub>
                         <m:sSubPr>
                           <m:ctrlPr>
-                            <a:rPr lang="fr-FR" sz="2400" i="1" dirty="0">
+                            <a:rPr lang="fr-FR" sz="2400" i="1" dirty="0" smtClean="0">
                               <a:latin typeface="Cambria Math" panose="02040503050406030204" pitchFamily="18" charset="0"/>
                             </a:rPr>
                           </m:ctrlPr>
                         </m:sSubPr>
                         <m:e>
                           <m:r>
-                            <a:rPr lang="fr-FR" sz="2400" i="1" dirty="0">
+                            <a:rPr lang="fr-FR" sz="2400" b="0" i="1" dirty="0" smtClean="0">
                               <a:latin typeface="Cambria Math" panose="02040503050406030204" pitchFamily="18" charset="0"/>
                             </a:rPr>
-                            <m:t>𝐽</m:t>
+                            <m:t>𝐿</m:t>
                           </m:r>
                         </m:e>
                         <m:sub>
@@ -6157,7 +5976,7 @@
               <a:blipFill>
                 <a:blip r:embed="rId13"/>
                 <a:stretch>
-                  <a:fillRect b="-13158"/>
+                  <a:fillRect l="-1136" b="-1316"/>
                 </a:stretch>
               </a:blipFill>
             </p:spPr>
@@ -6176,8 +5995,8 @@
           </p:sp>
         </mc:Fallback>
       </mc:AlternateContent>
-      <mc:AlternateContent xmlns:mc="http://schemas.openxmlformats.org/markup-compatibility/2006" xmlns:a14="http://schemas.microsoft.com/office/drawing/2010/main">
-        <mc:Choice Requires="a14">
+      <mc:AlternateContent xmlns:mc="http://schemas.openxmlformats.org/markup-compatibility/2006">
+        <mc:Choice xmlns:a14="http://schemas.microsoft.com/office/drawing/2010/main" Requires="a14">
           <p:sp>
             <p:nvSpPr>
               <p:cNvPr id="94" name="TextBox 93">
@@ -6192,8 +6011,8 @@
             </p:nvSpPr>
             <p:spPr>
               <a:xfrm>
-                <a:off x="3540460" y="1245957"/>
-                <a:ext cx="758156" cy="459421"/>
+                <a:off x="3817148" y="1258595"/>
+                <a:ext cx="482312" cy="459421"/>
               </a:xfrm>
               <a:prstGeom prst="rect">
                 <a:avLst/>
@@ -6221,11 +6040,11 @@
                         <m:t>𝛽</m:t>
                       </m:r>
                       <m:r>
-                        <a:rPr lang="fr-FR" sz="1600" i="1">
+                        <a:rPr lang="fr-FR" sz="1600" i="1" smtClean="0">
                           <a:latin typeface="Cambria Math" panose="02040503050406030204" pitchFamily="18" charset="0"/>
                           <a:ea typeface="Cambria Math" panose="02040503050406030204" pitchFamily="18" charset="0"/>
                         </a:rPr>
-                        <m:t>∙ </m:t>
+                        <m:t>∙</m:t>
                       </m:r>
                       <m:f>
                         <m:fPr>
@@ -6238,40 +6057,12 @@
                         </m:fPr>
                         <m:num>
                           <m:r>
-                            <a:rPr lang="fr-FR" sz="1600" i="1">
+                            <a:rPr lang="fr-FR" sz="1600" b="0" i="1" smtClean="0">
                               <a:latin typeface="Cambria Math" panose="02040503050406030204" pitchFamily="18" charset="0"/>
                               <a:ea typeface="Cambria Math" panose="02040503050406030204" pitchFamily="18" charset="0"/>
                             </a:rPr>
-                            <m:t>𝑇𝑜</m:t>
+                            <m:t>𝐼</m:t>
                           </m:r>
-                          <m:sSub>
-                            <m:sSubPr>
-                              <m:ctrlPr>
-                                <a:rPr lang="fr-FR" sz="1600" i="1">
-                                  <a:latin typeface="Cambria Math" panose="02040503050406030204" pitchFamily="18" charset="0"/>
-                                  <a:ea typeface="Cambria Math" panose="02040503050406030204" pitchFamily="18" charset="0"/>
-                                </a:rPr>
-                              </m:ctrlPr>
-                            </m:sSubPr>
-                            <m:e>
-                              <m:r>
-                                <a:rPr lang="fr-FR" sz="1600" i="1">
-                                  <a:latin typeface="Cambria Math" panose="02040503050406030204" pitchFamily="18" charset="0"/>
-                                  <a:ea typeface="Cambria Math" panose="02040503050406030204" pitchFamily="18" charset="0"/>
-                                </a:rPr>
-                                <m:t>𝑡</m:t>
-                              </m:r>
-                            </m:e>
-                            <m:sub>
-                              <m:r>
-                                <a:rPr lang="fr-FR" sz="1600" i="1">
-                                  <a:latin typeface="Cambria Math" panose="02040503050406030204" pitchFamily="18" charset="0"/>
-                                  <a:ea typeface="Cambria Math" panose="02040503050406030204" pitchFamily="18" charset="0"/>
-                                </a:rPr>
-                                <m:t>𝐼</m:t>
-                              </m:r>
-                            </m:sub>
-                          </m:sSub>
                         </m:num>
                         <m:den>
                           <m:r>
@@ -6291,7 +6082,7 @@
             </p:txBody>
           </p:sp>
         </mc:Choice>
-        <mc:Fallback xmlns="">
+        <mc:Fallback>
           <p:sp>
             <p:nvSpPr>
               <p:cNvPr id="94" name="TextBox 93">
@@ -6308,334 +6099,14 @@
             </p:nvSpPr>
             <p:spPr>
               <a:xfrm>
-                <a:off x="3540460" y="1245957"/>
-                <a:ext cx="758156" cy="459421"/>
+                <a:off x="3817148" y="1258595"/>
+                <a:ext cx="482312" cy="459421"/>
               </a:xfrm>
               <a:prstGeom prst="rect">
                 <a:avLst/>
               </a:prstGeom>
               <a:blipFill>
                 <a:blip r:embed="rId14"/>
-                <a:stretch>
-                  <a:fillRect/>
-                </a:stretch>
-              </a:blipFill>
-            </p:spPr>
-            <p:txBody>
-              <a:bodyPr/>
-              <a:lstStyle/>
-              <a:p>
-                <a:r>
-                  <a:rPr lang="en-US">
-                    <a:noFill/>
-                  </a:rPr>
-                  <a:t> </a:t>
-                </a:r>
-              </a:p>
-            </p:txBody>
-          </p:sp>
-        </mc:Fallback>
-      </mc:AlternateContent>
-      <mc:AlternateContent xmlns:mc="http://schemas.openxmlformats.org/markup-compatibility/2006" xmlns:a14="http://schemas.microsoft.com/office/drawing/2010/main">
-        <mc:Choice Requires="a14">
-          <p:sp>
-            <p:nvSpPr>
-              <p:cNvPr id="95" name="TextBox 94">
-                <a:extLst>
-                  <a:ext uri="{FF2B5EF4-FFF2-40B4-BE49-F238E27FC236}">
-                    <a16:creationId xmlns:a16="http://schemas.microsoft.com/office/drawing/2014/main" id="{63BA9A5E-C636-BC83-B072-69ED59471F05}"/>
-                  </a:ext>
-                </a:extLst>
-              </p:cNvPr>
-              <p:cNvSpPr txBox="1"/>
-              <p:nvPr/>
-            </p:nvSpPr>
-            <p:spPr>
-              <a:xfrm>
-                <a:off x="3540460" y="3266589"/>
-                <a:ext cx="758156" cy="459421"/>
-              </a:xfrm>
-              <a:prstGeom prst="rect">
-                <a:avLst/>
-              </a:prstGeom>
-              <a:noFill/>
-            </p:spPr>
-            <p:txBody>
-              <a:bodyPr wrap="none" lIns="0" tIns="0" rIns="0" bIns="0" rtlCol="0">
-                <a:spAutoFit/>
-              </a:bodyPr>
-              <a:lstStyle/>
-              <a:p>
-                <a:pPr/>
-                <a14:m>
-                  <m:oMathPara xmlns:m="http://schemas.openxmlformats.org/officeDocument/2006/math">
-                    <m:oMathParaPr>
-                      <m:jc m:val="centerGroup"/>
-                    </m:oMathParaPr>
-                    <m:oMath xmlns:m="http://schemas.openxmlformats.org/officeDocument/2006/math">
-                      <m:r>
-                        <a:rPr lang="fr-FR" sz="1600" i="1" smtClean="0">
-                          <a:latin typeface="Cambria Math" panose="02040503050406030204" pitchFamily="18" charset="0"/>
-                          <a:ea typeface="Cambria Math" panose="02040503050406030204" pitchFamily="18" charset="0"/>
-                        </a:rPr>
-                        <m:t>𝛽</m:t>
-                      </m:r>
-                      <m:r>
-                        <a:rPr lang="fr-FR" sz="1600" i="1">
-                          <a:latin typeface="Cambria Math" panose="02040503050406030204" pitchFamily="18" charset="0"/>
-                          <a:ea typeface="Cambria Math" panose="02040503050406030204" pitchFamily="18" charset="0"/>
-                        </a:rPr>
-                        <m:t>∙ </m:t>
-                      </m:r>
-                      <m:f>
-                        <m:fPr>
-                          <m:ctrlPr>
-                            <a:rPr lang="fr-FR" sz="1600" i="1">
-                              <a:latin typeface="Cambria Math" panose="02040503050406030204" pitchFamily="18" charset="0"/>
-                              <a:ea typeface="Cambria Math" panose="02040503050406030204" pitchFamily="18" charset="0"/>
-                            </a:rPr>
-                          </m:ctrlPr>
-                        </m:fPr>
-                        <m:num>
-                          <m:r>
-                            <a:rPr lang="fr-FR" sz="1600" i="1">
-                              <a:latin typeface="Cambria Math" panose="02040503050406030204" pitchFamily="18" charset="0"/>
-                              <a:ea typeface="Cambria Math" panose="02040503050406030204" pitchFamily="18" charset="0"/>
-                            </a:rPr>
-                            <m:t>𝑇𝑜</m:t>
-                          </m:r>
-                          <m:sSub>
-                            <m:sSubPr>
-                              <m:ctrlPr>
-                                <a:rPr lang="fr-FR" sz="1600" i="1">
-                                  <a:latin typeface="Cambria Math" panose="02040503050406030204" pitchFamily="18" charset="0"/>
-                                  <a:ea typeface="Cambria Math" panose="02040503050406030204" pitchFamily="18" charset="0"/>
-                                </a:rPr>
-                              </m:ctrlPr>
-                            </m:sSubPr>
-                            <m:e>
-                              <m:r>
-                                <a:rPr lang="fr-FR" sz="1600" i="1">
-                                  <a:latin typeface="Cambria Math" panose="02040503050406030204" pitchFamily="18" charset="0"/>
-                                  <a:ea typeface="Cambria Math" panose="02040503050406030204" pitchFamily="18" charset="0"/>
-                                </a:rPr>
-                                <m:t>𝑡</m:t>
-                              </m:r>
-                            </m:e>
-                            <m:sub>
-                              <m:r>
-                                <a:rPr lang="fr-FR" sz="1600" i="1">
-                                  <a:latin typeface="Cambria Math" panose="02040503050406030204" pitchFamily="18" charset="0"/>
-                                  <a:ea typeface="Cambria Math" panose="02040503050406030204" pitchFamily="18" charset="0"/>
-                                </a:rPr>
-                                <m:t>𝐼</m:t>
-                              </m:r>
-                            </m:sub>
-                          </m:sSub>
-                        </m:num>
-                        <m:den>
-                          <m:r>
-                            <a:rPr lang="fr-FR" sz="1600" i="1">
-                              <a:latin typeface="Cambria Math" panose="02040503050406030204" pitchFamily="18" charset="0"/>
-                              <a:ea typeface="Cambria Math" panose="02040503050406030204" pitchFamily="18" charset="0"/>
-                            </a:rPr>
-                            <m:t>𝑁</m:t>
-                          </m:r>
-                        </m:den>
-                      </m:f>
-                    </m:oMath>
-                  </m:oMathPara>
-                </a14:m>
-                <a:endParaRPr lang="en-US" sz="1600" dirty="0"/>
-              </a:p>
-            </p:txBody>
-          </p:sp>
-        </mc:Choice>
-        <mc:Fallback xmlns="">
-          <p:sp>
-            <p:nvSpPr>
-              <p:cNvPr id="95" name="TextBox 94">
-                <a:extLst>
-                  <a:ext uri="{FF2B5EF4-FFF2-40B4-BE49-F238E27FC236}">
-                    <a16:creationId xmlns:a16="http://schemas.microsoft.com/office/drawing/2014/main" id="{63BA9A5E-C636-BC83-B072-69ED59471F05}"/>
-                  </a:ext>
-                </a:extLst>
-              </p:cNvPr>
-              <p:cNvSpPr txBox="1">
-                <a:spLocks noRot="1" noChangeAspect="1" noMove="1" noResize="1" noEditPoints="1" noAdjustHandles="1" noChangeArrowheads="1" noChangeShapeType="1" noTextEdit="1"/>
-              </p:cNvSpPr>
-              <p:nvPr/>
-            </p:nvSpPr>
-            <p:spPr>
-              <a:xfrm>
-                <a:off x="3540460" y="3266589"/>
-                <a:ext cx="758156" cy="459421"/>
-              </a:xfrm>
-              <a:prstGeom prst="rect">
-                <a:avLst/>
-              </a:prstGeom>
-              <a:blipFill>
-                <a:blip r:embed="rId15"/>
-                <a:stretch>
-                  <a:fillRect/>
-                </a:stretch>
-              </a:blipFill>
-            </p:spPr>
-            <p:txBody>
-              <a:bodyPr/>
-              <a:lstStyle/>
-              <a:p>
-                <a:r>
-                  <a:rPr lang="en-US">
-                    <a:noFill/>
-                  </a:rPr>
-                  <a:t> </a:t>
-                </a:r>
-              </a:p>
-            </p:txBody>
-          </p:sp>
-        </mc:Fallback>
-      </mc:AlternateContent>
-      <mc:AlternateContent xmlns:mc="http://schemas.openxmlformats.org/markup-compatibility/2006" xmlns:a14="http://schemas.microsoft.com/office/drawing/2010/main">
-        <mc:Choice Requires="a14">
-          <p:sp>
-            <p:nvSpPr>
-              <p:cNvPr id="96" name="TextBox 95">
-                <a:extLst>
-                  <a:ext uri="{FF2B5EF4-FFF2-40B4-BE49-F238E27FC236}">
-                    <a16:creationId xmlns:a16="http://schemas.microsoft.com/office/drawing/2014/main" id="{D92E8D63-D894-CA35-0632-660138D18BC0}"/>
-                  </a:ext>
-                </a:extLst>
-              </p:cNvPr>
-              <p:cNvSpPr txBox="1"/>
-              <p:nvPr/>
-            </p:nvSpPr>
-            <p:spPr>
-              <a:xfrm>
-                <a:off x="3540460" y="4650264"/>
-                <a:ext cx="758156" cy="459421"/>
-              </a:xfrm>
-              <a:prstGeom prst="rect">
-                <a:avLst/>
-              </a:prstGeom>
-              <a:noFill/>
-            </p:spPr>
-            <p:txBody>
-              <a:bodyPr wrap="none" lIns="0" tIns="0" rIns="0" bIns="0" rtlCol="0">
-                <a:spAutoFit/>
-              </a:bodyPr>
-              <a:lstStyle/>
-              <a:p>
-                <a:pPr/>
-                <a14:m>
-                  <m:oMathPara xmlns:m="http://schemas.openxmlformats.org/officeDocument/2006/math">
-                    <m:oMathParaPr>
-                      <m:jc m:val="centerGroup"/>
-                    </m:oMathParaPr>
-                    <m:oMath xmlns:m="http://schemas.openxmlformats.org/officeDocument/2006/math">
-                      <m:r>
-                        <a:rPr lang="fr-FR" sz="1600" i="1" smtClean="0">
-                          <a:latin typeface="Cambria Math" panose="02040503050406030204" pitchFamily="18" charset="0"/>
-                          <a:ea typeface="Cambria Math" panose="02040503050406030204" pitchFamily="18" charset="0"/>
-                        </a:rPr>
-                        <m:t>𝛽</m:t>
-                      </m:r>
-                      <m:r>
-                        <a:rPr lang="fr-FR" sz="1600" i="1">
-                          <a:latin typeface="Cambria Math" panose="02040503050406030204" pitchFamily="18" charset="0"/>
-                          <a:ea typeface="Cambria Math" panose="02040503050406030204" pitchFamily="18" charset="0"/>
-                        </a:rPr>
-                        <m:t>∙ </m:t>
-                      </m:r>
-                      <m:f>
-                        <m:fPr>
-                          <m:ctrlPr>
-                            <a:rPr lang="fr-FR" sz="1600" i="1">
-                              <a:latin typeface="Cambria Math" panose="02040503050406030204" pitchFamily="18" charset="0"/>
-                              <a:ea typeface="Cambria Math" panose="02040503050406030204" pitchFamily="18" charset="0"/>
-                            </a:rPr>
-                          </m:ctrlPr>
-                        </m:fPr>
-                        <m:num>
-                          <m:r>
-                            <a:rPr lang="fr-FR" sz="1600" i="1">
-                              <a:latin typeface="Cambria Math" panose="02040503050406030204" pitchFamily="18" charset="0"/>
-                              <a:ea typeface="Cambria Math" panose="02040503050406030204" pitchFamily="18" charset="0"/>
-                            </a:rPr>
-                            <m:t>𝑇𝑜</m:t>
-                          </m:r>
-                          <m:sSub>
-                            <m:sSubPr>
-                              <m:ctrlPr>
-                                <a:rPr lang="fr-FR" sz="1600" i="1">
-                                  <a:latin typeface="Cambria Math" panose="02040503050406030204" pitchFamily="18" charset="0"/>
-                                  <a:ea typeface="Cambria Math" panose="02040503050406030204" pitchFamily="18" charset="0"/>
-                                </a:rPr>
-                              </m:ctrlPr>
-                            </m:sSubPr>
-                            <m:e>
-                              <m:r>
-                                <a:rPr lang="fr-FR" sz="1600" i="1">
-                                  <a:latin typeface="Cambria Math" panose="02040503050406030204" pitchFamily="18" charset="0"/>
-                                  <a:ea typeface="Cambria Math" panose="02040503050406030204" pitchFamily="18" charset="0"/>
-                                </a:rPr>
-                                <m:t>𝑡</m:t>
-                              </m:r>
-                            </m:e>
-                            <m:sub>
-                              <m:r>
-                                <a:rPr lang="fr-FR" sz="1600" i="1">
-                                  <a:latin typeface="Cambria Math" panose="02040503050406030204" pitchFamily="18" charset="0"/>
-                                  <a:ea typeface="Cambria Math" panose="02040503050406030204" pitchFamily="18" charset="0"/>
-                                </a:rPr>
-                                <m:t>𝐼</m:t>
-                              </m:r>
-                            </m:sub>
-                          </m:sSub>
-                        </m:num>
-                        <m:den>
-                          <m:r>
-                            <a:rPr lang="fr-FR" sz="1600" i="1">
-                              <a:latin typeface="Cambria Math" panose="02040503050406030204" pitchFamily="18" charset="0"/>
-                              <a:ea typeface="Cambria Math" panose="02040503050406030204" pitchFamily="18" charset="0"/>
-                            </a:rPr>
-                            <m:t>𝑁</m:t>
-                          </m:r>
-                        </m:den>
-                      </m:f>
-                    </m:oMath>
-                  </m:oMathPara>
-                </a14:m>
-                <a:endParaRPr lang="en-US" sz="1600" dirty="0"/>
-              </a:p>
-            </p:txBody>
-          </p:sp>
-        </mc:Choice>
-        <mc:Fallback xmlns="">
-          <p:sp>
-            <p:nvSpPr>
-              <p:cNvPr id="96" name="TextBox 95">
-                <a:extLst>
-                  <a:ext uri="{FF2B5EF4-FFF2-40B4-BE49-F238E27FC236}">
-                    <a16:creationId xmlns:a16="http://schemas.microsoft.com/office/drawing/2014/main" id="{D92E8D63-D894-CA35-0632-660138D18BC0}"/>
-                  </a:ext>
-                </a:extLst>
-              </p:cNvPr>
-              <p:cNvSpPr txBox="1">
-                <a:spLocks noRot="1" noChangeAspect="1" noMove="1" noResize="1" noEditPoints="1" noAdjustHandles="1" noChangeArrowheads="1" noChangeShapeType="1" noTextEdit="1"/>
-              </p:cNvSpPr>
-              <p:nvPr/>
-            </p:nvSpPr>
-            <p:spPr>
-              <a:xfrm>
-                <a:off x="3540460" y="4650264"/>
-                <a:ext cx="758156" cy="459421"/>
-              </a:xfrm>
-              <a:prstGeom prst="rect">
-                <a:avLst/>
-              </a:prstGeom>
-              <a:blipFill>
-                <a:blip r:embed="rId16"/>
                 <a:stretch>
                   <a:fillRect/>
                 </a:stretch>
@@ -6867,7 +6338,7 @@
             <p:spPr>
               <a:xfrm>
                 <a:off x="2312466" y="1942049"/>
-                <a:ext cx="260712" cy="276999"/>
+                <a:ext cx="264111" cy="276999"/>
               </a:xfrm>
               <a:prstGeom prst="rect">
                 <a:avLst/>
@@ -6906,10 +6377,11 @@
                         </m:e>
                         <m:sub>
                           <m:r>
-                            <a:rPr lang="fr-FR" i="1">
+                            <a:rPr lang="fr-FR" b="0" i="1" smtClean="0">
                               <a:latin typeface="Cambria Math" panose="02040503050406030204" pitchFamily="18" charset="0"/>
+                              <a:ea typeface="Cambria Math" panose="02040503050406030204" pitchFamily="18" charset="0"/>
                             </a:rPr>
-                            <m:t>1</m:t>
+                            <m:t>𝐿</m:t>
                           </m:r>
                         </m:sub>
                       </m:sSub>
@@ -6939,7 +6411,7 @@
             <p:spPr>
               <a:xfrm>
                 <a:off x="2312466" y="1942049"/>
-                <a:ext cx="260712" cy="276999"/>
+                <a:ext cx="264111" cy="276999"/>
               </a:xfrm>
               <a:prstGeom prst="rect">
                 <a:avLst/>
@@ -6947,7 +6419,7 @@
               <a:blipFill>
                 <a:blip r:embed="rId19"/>
                 <a:stretch>
-                  <a:fillRect l="-13953" r="-6977" b="-15556"/>
+                  <a:fillRect l="-13636" r="-4545" b="-15556"/>
                 </a:stretch>
               </a:blipFill>
             </p:spPr>
@@ -6983,7 +6455,7 @@
             <p:spPr>
               <a:xfrm>
                 <a:off x="5284483" y="1942049"/>
-                <a:ext cx="260712" cy="276999"/>
+                <a:ext cx="264111" cy="276999"/>
               </a:xfrm>
               <a:prstGeom prst="rect">
                 <a:avLst/>
@@ -7006,7 +6478,7 @@
                       <m:sSub>
                         <m:sSubPr>
                           <m:ctrlPr>
-                            <a:rPr lang="fr-FR" i="1">
+                            <a:rPr lang="fr-FR" i="1" smtClean="0">
                               <a:latin typeface="Cambria Math" panose="02040503050406030204" pitchFamily="18" charset="0"/>
                             </a:rPr>
                           </m:ctrlPr>
@@ -7022,10 +6494,11 @@
                         </m:e>
                         <m:sub>
                           <m:r>
-                            <a:rPr lang="fr-FR" i="1">
+                            <a:rPr lang="fr-FR" b="0" i="1" smtClean="0">
                               <a:latin typeface="Cambria Math" panose="02040503050406030204" pitchFamily="18" charset="0"/>
+                              <a:ea typeface="Cambria Math" panose="02040503050406030204" pitchFamily="18" charset="0"/>
                             </a:rPr>
-                            <m:t>1</m:t>
+                            <m:t>𝐿</m:t>
                           </m:r>
                         </m:sub>
                       </m:sSub>
@@ -7055,7 +6528,7 @@
             <p:spPr>
               <a:xfrm>
                 <a:off x="5284483" y="1942049"/>
-                <a:ext cx="260712" cy="276999"/>
+                <a:ext cx="264111" cy="276999"/>
               </a:xfrm>
               <a:prstGeom prst="rect">
                 <a:avLst/>
@@ -7099,7 +6572,7 @@
             <p:spPr>
               <a:xfrm>
                 <a:off x="8324616" y="1942048"/>
-                <a:ext cx="260712" cy="276999"/>
+                <a:ext cx="264111" cy="276999"/>
               </a:xfrm>
               <a:prstGeom prst="rect">
                 <a:avLst/>
@@ -7122,7 +6595,7 @@
                       <m:sSub>
                         <m:sSubPr>
                           <m:ctrlPr>
-                            <a:rPr lang="fr-FR" i="1">
+                            <a:rPr lang="fr-FR" i="1" smtClean="0">
                               <a:latin typeface="Cambria Math" panose="02040503050406030204" pitchFamily="18" charset="0"/>
                             </a:rPr>
                           </m:ctrlPr>
@@ -7138,10 +6611,11 @@
                         </m:e>
                         <m:sub>
                           <m:r>
-                            <a:rPr lang="fr-FR" i="1">
+                            <a:rPr lang="fr-FR" b="0" i="1" smtClean="0">
                               <a:latin typeface="Cambria Math" panose="02040503050406030204" pitchFamily="18" charset="0"/>
+                              <a:ea typeface="Cambria Math" panose="02040503050406030204" pitchFamily="18" charset="0"/>
                             </a:rPr>
-                            <m:t>1</m:t>
+                            <m:t>𝐿</m:t>
                           </m:r>
                         </m:sub>
                       </m:sSub>
@@ -7171,7 +6645,7 @@
             <p:spPr>
               <a:xfrm>
                 <a:off x="8324616" y="1942048"/>
-                <a:ext cx="260712" cy="276999"/>
+                <a:ext cx="264111" cy="276999"/>
               </a:xfrm>
               <a:prstGeom prst="rect">
                 <a:avLst/>
@@ -7179,7 +6653,7 @@
               <a:blipFill>
                 <a:blip r:embed="rId21"/>
                 <a:stretch>
-                  <a:fillRect l="-14286" r="-7143" b="-15556"/>
+                  <a:fillRect l="-13953" r="-4651" b="-15556"/>
                 </a:stretch>
               </a:blipFill>
             </p:spPr>
@@ -7215,7 +6689,7 @@
             <p:spPr>
               <a:xfrm>
                 <a:off x="11290426" y="1942048"/>
-                <a:ext cx="260712" cy="276999"/>
+                <a:ext cx="264111" cy="276999"/>
               </a:xfrm>
               <a:prstGeom prst="rect">
                 <a:avLst/>
@@ -7238,7 +6712,7 @@
                       <m:sSub>
                         <m:sSubPr>
                           <m:ctrlPr>
-                            <a:rPr lang="fr-FR" i="1">
+                            <a:rPr lang="fr-FR" i="1" smtClean="0">
                               <a:latin typeface="Cambria Math" panose="02040503050406030204" pitchFamily="18" charset="0"/>
                             </a:rPr>
                           </m:ctrlPr>
@@ -7254,10 +6728,11 @@
                         </m:e>
                         <m:sub>
                           <m:r>
-                            <a:rPr lang="fr-FR" i="1">
+                            <a:rPr lang="fr-FR" b="0" i="1" smtClean="0">
                               <a:latin typeface="Cambria Math" panose="02040503050406030204" pitchFamily="18" charset="0"/>
+                              <a:ea typeface="Cambria Math" panose="02040503050406030204" pitchFamily="18" charset="0"/>
                             </a:rPr>
-                            <m:t>1</m:t>
+                            <m:t>𝐿</m:t>
                           </m:r>
                         </m:sub>
                       </m:sSub>
@@ -7287,7 +6762,7 @@
             <p:spPr>
               <a:xfrm>
                 <a:off x="11290426" y="1942048"/>
-                <a:ext cx="260712" cy="276999"/>
+                <a:ext cx="264111" cy="276999"/>
               </a:xfrm>
               <a:prstGeom prst="rect">
                 <a:avLst/>
@@ -7331,7 +6806,7 @@
             <p:spPr>
               <a:xfrm>
                 <a:off x="2312466" y="4020514"/>
-                <a:ext cx="266034" cy="276999"/>
+                <a:ext cx="242246" cy="296428"/>
               </a:xfrm>
               <a:prstGeom prst="rect">
                 <a:avLst/>
@@ -7354,7 +6829,7 @@
                       <m:sSub>
                         <m:sSubPr>
                           <m:ctrlPr>
-                            <a:rPr lang="fr-FR" i="1">
+                            <a:rPr lang="fr-FR" i="1" smtClean="0">
                               <a:latin typeface="Cambria Math" panose="02040503050406030204" pitchFamily="18" charset="0"/>
                             </a:rPr>
                           </m:ctrlPr>
@@ -7370,10 +6845,11 @@
                         </m:e>
                         <m:sub>
                           <m:r>
-                            <a:rPr lang="fr-FR" i="1">
+                            <a:rPr lang="fr-FR" b="0" i="1" smtClean="0">
                               <a:latin typeface="Cambria Math" panose="02040503050406030204" pitchFamily="18" charset="0"/>
+                              <a:ea typeface="Cambria Math" panose="02040503050406030204" pitchFamily="18" charset="0"/>
                             </a:rPr>
-                            <m:t>2</m:t>
+                            <m:t>𝐽</m:t>
                           </m:r>
                         </m:sub>
                       </m:sSub>
@@ -7403,7 +6879,7 @@
             <p:spPr>
               <a:xfrm>
                 <a:off x="2312466" y="4020514"/>
-                <a:ext cx="266034" cy="276999"/>
+                <a:ext cx="242246" cy="296428"/>
               </a:xfrm>
               <a:prstGeom prst="rect">
                 <a:avLst/>
@@ -7411,7 +6887,7 @@
               <a:blipFill>
                 <a:blip r:embed="rId23"/>
                 <a:stretch>
-                  <a:fillRect l="-13636" r="-6818" b="-15556"/>
+                  <a:fillRect l="-15000" r="-12500" b="-27083"/>
                 </a:stretch>
               </a:blipFill>
             </p:spPr>
@@ -7447,7 +6923,7 @@
             <p:spPr>
               <a:xfrm>
                 <a:off x="5289516" y="4020514"/>
-                <a:ext cx="266034" cy="276999"/>
+                <a:ext cx="242246" cy="296428"/>
               </a:xfrm>
               <a:prstGeom prst="rect">
                 <a:avLst/>
@@ -7470,7 +6946,7 @@
                       <m:sSub>
                         <m:sSubPr>
                           <m:ctrlPr>
-                            <a:rPr lang="fr-FR" i="1">
+                            <a:rPr lang="fr-FR" i="1" smtClean="0">
                               <a:latin typeface="Cambria Math" panose="02040503050406030204" pitchFamily="18" charset="0"/>
                             </a:rPr>
                           </m:ctrlPr>
@@ -7486,10 +6962,11 @@
                         </m:e>
                         <m:sub>
                           <m:r>
-                            <a:rPr lang="fr-FR" i="1">
+                            <a:rPr lang="fr-FR" b="0" i="1" smtClean="0">
                               <a:latin typeface="Cambria Math" panose="02040503050406030204" pitchFamily="18" charset="0"/>
+                              <a:ea typeface="Cambria Math" panose="02040503050406030204" pitchFamily="18" charset="0"/>
                             </a:rPr>
-                            <m:t>2</m:t>
+                            <m:t>𝐽</m:t>
                           </m:r>
                         </m:sub>
                       </m:sSub>
@@ -7519,7 +6996,7 @@
             <p:spPr>
               <a:xfrm>
                 <a:off x="5289516" y="4020514"/>
-                <a:ext cx="266034" cy="276999"/>
+                <a:ext cx="242246" cy="296428"/>
               </a:xfrm>
               <a:prstGeom prst="rect">
                 <a:avLst/>
@@ -7527,7 +7004,7 @@
               <a:blipFill>
                 <a:blip r:embed="rId24"/>
                 <a:stretch>
-                  <a:fillRect l="-13953" r="-6977" b="-15556"/>
+                  <a:fillRect l="-15385" r="-15385" b="-27083"/>
                 </a:stretch>
               </a:blipFill>
             </p:spPr>
@@ -7563,7 +7040,7 @@
             <p:spPr>
               <a:xfrm>
                 <a:off x="8335577" y="4036097"/>
-                <a:ext cx="266034" cy="276999"/>
+                <a:ext cx="242246" cy="296428"/>
               </a:xfrm>
               <a:prstGeom prst="rect">
                 <a:avLst/>
@@ -7586,7 +7063,7 @@
                       <m:sSub>
                         <m:sSubPr>
                           <m:ctrlPr>
-                            <a:rPr lang="fr-FR" i="1">
+                            <a:rPr lang="fr-FR" i="1" smtClean="0">
                               <a:latin typeface="Cambria Math" panose="02040503050406030204" pitchFamily="18" charset="0"/>
                             </a:rPr>
                           </m:ctrlPr>
@@ -7602,10 +7079,11 @@
                         </m:e>
                         <m:sub>
                           <m:r>
-                            <a:rPr lang="fr-FR" i="1">
+                            <a:rPr lang="fr-FR" b="0" i="1" smtClean="0">
                               <a:latin typeface="Cambria Math" panose="02040503050406030204" pitchFamily="18" charset="0"/>
+                              <a:ea typeface="Cambria Math" panose="02040503050406030204" pitchFamily="18" charset="0"/>
                             </a:rPr>
-                            <m:t>2</m:t>
+                            <m:t>𝐽</m:t>
                           </m:r>
                         </m:sub>
                       </m:sSub>
@@ -7635,7 +7113,7 @@
             <p:spPr>
               <a:xfrm>
                 <a:off x="8335577" y="4036097"/>
-                <a:ext cx="266034" cy="276999"/>
+                <a:ext cx="242246" cy="296428"/>
               </a:xfrm>
               <a:prstGeom prst="rect">
                 <a:avLst/>
@@ -7643,7 +7121,7 @@
               <a:blipFill>
                 <a:blip r:embed="rId25"/>
                 <a:stretch>
-                  <a:fillRect l="-13636" r="-6818" b="-15217"/>
+                  <a:fillRect l="-15000" r="-12500" b="-24490"/>
                 </a:stretch>
               </a:blipFill>
             </p:spPr>
@@ -7679,7 +7157,7 @@
             <p:spPr>
               <a:xfrm>
                 <a:off x="11316498" y="4020431"/>
-                <a:ext cx="266034" cy="276999"/>
+                <a:ext cx="242246" cy="296428"/>
               </a:xfrm>
               <a:prstGeom prst="rect">
                 <a:avLst/>
@@ -7702,7 +7180,7 @@
                       <m:sSub>
                         <m:sSubPr>
                           <m:ctrlPr>
-                            <a:rPr lang="fr-FR" i="1">
+                            <a:rPr lang="fr-FR" i="1" smtClean="0">
                               <a:latin typeface="Cambria Math" panose="02040503050406030204" pitchFamily="18" charset="0"/>
                             </a:rPr>
                           </m:ctrlPr>
@@ -7718,10 +7196,11 @@
                         </m:e>
                         <m:sub>
                           <m:r>
-                            <a:rPr lang="fr-FR" i="1">
+                            <a:rPr lang="fr-FR" b="0" i="1" smtClean="0">
                               <a:latin typeface="Cambria Math" panose="02040503050406030204" pitchFamily="18" charset="0"/>
+                              <a:ea typeface="Cambria Math" panose="02040503050406030204" pitchFamily="18" charset="0"/>
                             </a:rPr>
-                            <m:t>2</m:t>
+                            <m:t>𝐽</m:t>
                           </m:r>
                         </m:sub>
                       </m:sSub>
@@ -7751,7 +7230,7 @@
             <p:spPr>
               <a:xfrm>
                 <a:off x="11316498" y="4020431"/>
-                <a:ext cx="266034" cy="276999"/>
+                <a:ext cx="242246" cy="296428"/>
               </a:xfrm>
               <a:prstGeom prst="rect">
                 <a:avLst/>
@@ -7759,7 +7238,7 @@
               <a:blipFill>
                 <a:blip r:embed="rId26"/>
                 <a:stretch>
-                  <a:fillRect l="-13636" r="-6818" b="-15556"/>
+                  <a:fillRect l="-15000" r="-12500" b="-27083"/>
                 </a:stretch>
               </a:blipFill>
             </p:spPr>
@@ -7794,8 +7273,8 @@
             </p:nvSpPr>
             <p:spPr>
               <a:xfrm>
-                <a:off x="6872418" y="298610"/>
-                <a:ext cx="468013" cy="276999"/>
+                <a:off x="7002634" y="366801"/>
+                <a:ext cx="177100" cy="276999"/>
               </a:xfrm>
               <a:prstGeom prst="rect">
                 <a:avLst/>
@@ -7816,10 +7295,11 @@
                     </m:oMathParaPr>
                     <m:oMath xmlns:m="http://schemas.openxmlformats.org/officeDocument/2006/math">
                       <m:r>
-                        <a:rPr lang="fr-FR" i="1">
+                        <a:rPr lang="fr-FR" i="1" smtClean="0">
                           <a:latin typeface="Cambria Math" panose="02040503050406030204" pitchFamily="18" charset="0"/>
+                          <a:ea typeface="Cambria Math" panose="02040503050406030204" pitchFamily="18" charset="0"/>
                         </a:rPr>
-                        <m:t>𝑙𝑜𝑠𝑠</m:t>
+                        <m:t>𝜆</m:t>
                       </m:r>
                     </m:oMath>
                   </m:oMathPara>
@@ -7846,208 +7326,16 @@
             </p:nvSpPr>
             <p:spPr>
               <a:xfrm>
-                <a:off x="6872418" y="298610"/>
-                <a:ext cx="468013" cy="276999"/>
+                <a:off x="7002634" y="366801"/>
+                <a:ext cx="177100" cy="276999"/>
               </a:xfrm>
               <a:prstGeom prst="rect">
                 <a:avLst/>
               </a:prstGeom>
               <a:blipFill>
-                <a:blip r:embed="rId31"/>
+                <a:blip r:embed="rId27"/>
                 <a:stretch>
-                  <a:fillRect l="-11688" r="-11688" b="-8889"/>
-                </a:stretch>
-              </a:blipFill>
-            </p:spPr>
-            <p:txBody>
-              <a:bodyPr/>
-              <a:lstStyle/>
-              <a:p>
-                <a:r>
-                  <a:rPr lang="en-US">
-                    <a:noFill/>
-                  </a:rPr>
-                  <a:t> </a:t>
-                </a:r>
-              </a:p>
-            </p:txBody>
-          </p:sp>
-        </mc:Fallback>
-      </mc:AlternateContent>
-      <mc:AlternateContent xmlns:mc="http://schemas.openxmlformats.org/markup-compatibility/2006" xmlns:a14="http://schemas.microsoft.com/office/drawing/2010/main">
-        <mc:Choice Requires="a14">
-          <p:sp>
-            <p:nvSpPr>
-              <p:cNvPr id="122" name="TextBox 121">
-                <a:extLst>
-                  <a:ext uri="{FF2B5EF4-FFF2-40B4-BE49-F238E27FC236}">
-                    <a16:creationId xmlns:a16="http://schemas.microsoft.com/office/drawing/2014/main" id="{0CAE7732-7924-10AD-3E3C-F9CA02B9ECF2}"/>
-                  </a:ext>
-                </a:extLst>
-              </p:cNvPr>
-              <p:cNvSpPr txBox="1"/>
-              <p:nvPr/>
-            </p:nvSpPr>
-            <p:spPr>
-              <a:xfrm>
-                <a:off x="6872418" y="5412546"/>
-                <a:ext cx="468013" cy="276999"/>
-              </a:xfrm>
-              <a:prstGeom prst="rect">
-                <a:avLst/>
-              </a:prstGeom>
-              <a:noFill/>
-            </p:spPr>
-            <p:txBody>
-              <a:bodyPr wrap="none" lIns="0" tIns="0" rIns="0" bIns="0" rtlCol="0">
-                <a:spAutoFit/>
-              </a:bodyPr>
-              <a:lstStyle/>
-              <a:p>
-                <a:pPr/>
-                <a14:m>
-                  <m:oMathPara xmlns:m="http://schemas.openxmlformats.org/officeDocument/2006/math">
-                    <m:oMathParaPr>
-                      <m:jc m:val="centerGroup"/>
-                    </m:oMathParaPr>
-                    <m:oMath xmlns:m="http://schemas.openxmlformats.org/officeDocument/2006/math">
-                      <m:r>
-                        <a:rPr lang="fr-FR" i="1">
-                          <a:latin typeface="Cambria Math" panose="02040503050406030204" pitchFamily="18" charset="0"/>
-                        </a:rPr>
-                        <m:t>𝑙𝑜𝑠𝑠</m:t>
-                      </m:r>
-                    </m:oMath>
-                  </m:oMathPara>
-                </a14:m>
-                <a:endParaRPr lang="en-US" dirty="0"/>
-              </a:p>
-            </p:txBody>
-          </p:sp>
-        </mc:Choice>
-        <mc:Fallback xmlns="">
-          <p:sp>
-            <p:nvSpPr>
-              <p:cNvPr id="122" name="TextBox 121">
-                <a:extLst>
-                  <a:ext uri="{FF2B5EF4-FFF2-40B4-BE49-F238E27FC236}">
-                    <a16:creationId xmlns:a16="http://schemas.microsoft.com/office/drawing/2014/main" id="{0CAE7732-7924-10AD-3E3C-F9CA02B9ECF2}"/>
-                  </a:ext>
-                </a:extLst>
-              </p:cNvPr>
-              <p:cNvSpPr txBox="1">
-                <a:spLocks noRot="1" noChangeAspect="1" noMove="1" noResize="1" noEditPoints="1" noAdjustHandles="1" noChangeArrowheads="1" noChangeShapeType="1" noTextEdit="1"/>
-              </p:cNvSpPr>
-              <p:nvPr/>
-            </p:nvSpPr>
-            <p:spPr>
-              <a:xfrm>
-                <a:off x="6872418" y="5412546"/>
-                <a:ext cx="468013" cy="276999"/>
-              </a:xfrm>
-              <a:prstGeom prst="rect">
-                <a:avLst/>
-              </a:prstGeom>
-              <a:blipFill>
-                <a:blip r:embed="rId32"/>
-                <a:stretch>
-                  <a:fillRect l="-11688" r="-11688" b="-8889"/>
-                </a:stretch>
-              </a:blipFill>
-            </p:spPr>
-            <p:txBody>
-              <a:bodyPr/>
-              <a:lstStyle/>
-              <a:p>
-                <a:r>
-                  <a:rPr lang="en-US">
-                    <a:noFill/>
-                  </a:rPr>
-                  <a:t> </a:t>
-                </a:r>
-              </a:p>
-            </p:txBody>
-          </p:sp>
-        </mc:Fallback>
-      </mc:AlternateContent>
-      <mc:AlternateContent xmlns:mc="http://schemas.openxmlformats.org/markup-compatibility/2006" xmlns:a14="http://schemas.microsoft.com/office/drawing/2010/main">
-        <mc:Choice Requires="a14">
-          <p:sp>
-            <p:nvSpPr>
-              <p:cNvPr id="123" name="TextBox 122">
-                <a:extLst>
-                  <a:ext uri="{FF2B5EF4-FFF2-40B4-BE49-F238E27FC236}">
-                    <a16:creationId xmlns:a16="http://schemas.microsoft.com/office/drawing/2014/main" id="{9CAF4CA9-80D1-1561-A755-E1B566911C15}"/>
-                  </a:ext>
-                </a:extLst>
-              </p:cNvPr>
-              <p:cNvSpPr txBox="1"/>
-              <p:nvPr/>
-            </p:nvSpPr>
-            <p:spPr>
-              <a:xfrm>
-                <a:off x="6876255" y="2324350"/>
-                <a:ext cx="468013" cy="276999"/>
-              </a:xfrm>
-              <a:prstGeom prst="rect">
-                <a:avLst/>
-              </a:prstGeom>
-              <a:noFill/>
-            </p:spPr>
-            <p:txBody>
-              <a:bodyPr wrap="none" lIns="0" tIns="0" rIns="0" bIns="0" rtlCol="0">
-                <a:spAutoFit/>
-              </a:bodyPr>
-              <a:lstStyle/>
-              <a:p>
-                <a:pPr/>
-                <a14:m>
-                  <m:oMathPara xmlns:m="http://schemas.openxmlformats.org/officeDocument/2006/math">
-                    <m:oMathParaPr>
-                      <m:jc m:val="centerGroup"/>
-                    </m:oMathParaPr>
-                    <m:oMath xmlns:m="http://schemas.openxmlformats.org/officeDocument/2006/math">
-                      <m:r>
-                        <a:rPr lang="fr-FR" i="1">
-                          <a:latin typeface="Cambria Math" panose="02040503050406030204" pitchFamily="18" charset="0"/>
-                        </a:rPr>
-                        <m:t>𝑙𝑜𝑠𝑠</m:t>
-                      </m:r>
-                    </m:oMath>
-                  </m:oMathPara>
-                </a14:m>
-                <a:endParaRPr lang="en-US" dirty="0"/>
-              </a:p>
-            </p:txBody>
-          </p:sp>
-        </mc:Choice>
-        <mc:Fallback xmlns="">
-          <p:sp>
-            <p:nvSpPr>
-              <p:cNvPr id="123" name="TextBox 122">
-                <a:extLst>
-                  <a:ext uri="{FF2B5EF4-FFF2-40B4-BE49-F238E27FC236}">
-                    <a16:creationId xmlns:a16="http://schemas.microsoft.com/office/drawing/2014/main" id="{9CAF4CA9-80D1-1561-A755-E1B566911C15}"/>
-                  </a:ext>
-                </a:extLst>
-              </p:cNvPr>
-              <p:cNvSpPr txBox="1">
-                <a:spLocks noRot="1" noChangeAspect="1" noMove="1" noResize="1" noEditPoints="1" noAdjustHandles="1" noChangeArrowheads="1" noChangeShapeType="1" noTextEdit="1"/>
-              </p:cNvSpPr>
-              <p:nvPr/>
-            </p:nvSpPr>
-            <p:spPr>
-              <a:xfrm>
-                <a:off x="6876255" y="2324350"/>
-                <a:ext cx="468013" cy="276999"/>
-              </a:xfrm>
-              <a:prstGeom prst="rect">
-                <a:avLst/>
-              </a:prstGeom>
-              <a:blipFill>
-                <a:blip r:embed="rId33"/>
-                <a:stretch>
-                  <a:fillRect l="-11688" r="-11688" b="-6522"/>
+                  <a:fillRect l="-34483" r="-31034" b="-6522"/>
                 </a:stretch>
               </a:blipFill>
             </p:spPr>
@@ -8297,7 +7585,7 @@
             <p:spPr>
               <a:xfrm>
                 <a:off x="12400729" y="875189"/>
-                <a:ext cx="348878" cy="276999"/>
+                <a:ext cx="352276" cy="276999"/>
               </a:xfrm>
               <a:prstGeom prst="rect">
                 <a:avLst/>
@@ -8320,7 +7608,7 @@
                       <m:sSub>
                         <m:sSubPr>
                           <m:ctrlPr>
-                            <a:rPr lang="fr-FR" i="1">
+                            <a:rPr lang="fr-FR" i="1" smtClean="0">
                               <a:latin typeface="Cambria Math" panose="02040503050406030204" pitchFamily="18" charset="0"/>
                             </a:rPr>
                           </m:ctrlPr>
@@ -8335,10 +7623,10 @@
                         </m:e>
                         <m:sub>
                           <m:r>
-                            <a:rPr lang="fr-FR" i="1">
+                            <a:rPr lang="fr-FR" b="0" i="1" smtClean="0">
                               <a:latin typeface="Cambria Math" panose="02040503050406030204" pitchFamily="18" charset="0"/>
                             </a:rPr>
-                            <m:t>1</m:t>
+                            <m:t>𝐿</m:t>
                           </m:r>
                         </m:sub>
                       </m:sSub>
@@ -8368,15 +7656,15 @@
             <p:spPr>
               <a:xfrm>
                 <a:off x="12400729" y="875189"/>
-                <a:ext cx="348878" cy="276999"/>
+                <a:ext cx="352276" cy="276999"/>
               </a:xfrm>
               <a:prstGeom prst="rect">
                 <a:avLst/>
               </a:prstGeom>
               <a:blipFill>
-                <a:blip r:embed="rId34"/>
+                <a:blip r:embed="rId28"/>
                 <a:stretch>
-                  <a:fillRect l="-10526" r="-7018" b="-15556"/>
+                  <a:fillRect l="-10345" r="-5172" b="-15556"/>
                 </a:stretch>
               </a:blipFill>
             </p:spPr>
@@ -8412,7 +7700,7 @@
             <p:spPr>
               <a:xfrm>
                 <a:off x="12400729" y="2858876"/>
-                <a:ext cx="354200" cy="276999"/>
+                <a:ext cx="330410" cy="296428"/>
               </a:xfrm>
               <a:prstGeom prst="rect">
                 <a:avLst/>
@@ -8435,7 +7723,7 @@
                       <m:sSub>
                         <m:sSubPr>
                           <m:ctrlPr>
-                            <a:rPr lang="fr-FR" i="1">
+                            <a:rPr lang="fr-FR" i="1" smtClean="0">
                               <a:latin typeface="Cambria Math" panose="02040503050406030204" pitchFamily="18" charset="0"/>
                             </a:rPr>
                           </m:ctrlPr>
@@ -8450,10 +7738,10 @@
                         </m:e>
                         <m:sub>
                           <m:r>
-                            <a:rPr lang="fr-FR" i="1">
+                            <a:rPr lang="fr-FR" b="0" i="1" smtClean="0">
                               <a:latin typeface="Cambria Math" panose="02040503050406030204" pitchFamily="18" charset="0"/>
                             </a:rPr>
-                            <m:t>2</m:t>
+                            <m:t>𝐽</m:t>
                           </m:r>
                         </m:sub>
                       </m:sSub>
@@ -8483,15 +7771,15 @@
             <p:spPr>
               <a:xfrm>
                 <a:off x="12400729" y="2858876"/>
-                <a:ext cx="354200" cy="276999"/>
+                <a:ext cx="330410" cy="296428"/>
               </a:xfrm>
               <a:prstGeom prst="rect">
                 <a:avLst/>
               </a:prstGeom>
               <a:blipFill>
-                <a:blip r:embed="rId35"/>
+                <a:blip r:embed="rId29"/>
                 <a:stretch>
-                  <a:fillRect l="-8621" r="-8621" b="-15556"/>
+                  <a:fillRect l="-9259" r="-11111" b="-24490"/>
                 </a:stretch>
               </a:blipFill>
             </p:spPr>
@@ -8527,7 +7815,7 @@
             <p:spPr>
               <a:xfrm>
                 <a:off x="12395407" y="4843362"/>
-                <a:ext cx="354200" cy="276999"/>
+                <a:ext cx="358816" cy="276999"/>
               </a:xfrm>
               <a:prstGeom prst="rect">
                 <a:avLst/>
@@ -8550,7 +7838,7 @@
                       <m:sSub>
                         <m:sSubPr>
                           <m:ctrlPr>
-                            <a:rPr lang="fr-FR" i="1">
+                            <a:rPr lang="fr-FR" i="1" smtClean="0">
                               <a:latin typeface="Cambria Math" panose="02040503050406030204" pitchFamily="18" charset="0"/>
                             </a:rPr>
                           </m:ctrlPr>
@@ -8565,10 +7853,10 @@
                         </m:e>
                         <m:sub>
                           <m:r>
-                            <a:rPr lang="fr-FR" i="1">
+                            <a:rPr lang="fr-FR" b="0" i="1" smtClean="0">
                               <a:latin typeface="Cambria Math" panose="02040503050406030204" pitchFamily="18" charset="0"/>
                             </a:rPr>
-                            <m:t>3</m:t>
+                            <m:t>𝐴</m:t>
                           </m:r>
                         </m:sub>
                       </m:sSub>
@@ -8598,15 +7886,15 @@
             <p:spPr>
               <a:xfrm>
                 <a:off x="12395407" y="4843362"/>
-                <a:ext cx="354200" cy="276999"/>
+                <a:ext cx="358816" cy="276999"/>
               </a:xfrm>
               <a:prstGeom prst="rect">
                 <a:avLst/>
               </a:prstGeom>
               <a:blipFill>
-                <a:blip r:embed="rId36"/>
+                <a:blip r:embed="rId30"/>
                 <a:stretch>
-                  <a:fillRect l="-8621" r="-8621" b="-15556"/>
+                  <a:fillRect l="-8475" r="-6780" b="-15556"/>
                 </a:stretch>
               </a:blipFill>
             </p:spPr>
@@ -8975,94 +8263,8 @@
           </a:p>
         </p:txBody>
       </p:sp>
-      <p:cxnSp>
-        <p:nvCxnSpPr>
-          <p:cNvPr id="71" name="Connector: Curved 70">
-            <a:extLst>
-              <a:ext uri="{FF2B5EF4-FFF2-40B4-BE49-F238E27FC236}">
-                <a16:creationId xmlns:a16="http://schemas.microsoft.com/office/drawing/2014/main" id="{FC6C05D4-E178-F35D-62C8-CB4EE924A23E}"/>
-              </a:ext>
-            </a:extLst>
-          </p:cNvPr>
-          <p:cNvCxnSpPr>
-            <a:stCxn id="65" idx="1"/>
-            <a:endCxn id="4" idx="2"/>
-          </p:cNvCxnSpPr>
-          <p:nvPr/>
-        </p:nvCxnSpPr>
-        <p:spPr>
-          <a:xfrm flipV="1">
-            <a:off x="2006408" y="1177646"/>
-            <a:ext cx="268967" cy="3985485"/>
-          </a:xfrm>
-          <a:prstGeom prst="curvedConnector3">
-            <a:avLst>
-              <a:gd name="adj1" fmla="val -168146"/>
-            </a:avLst>
-          </a:prstGeom>
-          <a:ln>
-            <a:tailEnd type="triangle"/>
-          </a:ln>
-        </p:spPr>
-        <p:style>
-          <a:lnRef idx="1">
-            <a:schemeClr val="dk1"/>
-          </a:lnRef>
-          <a:fillRef idx="0">
-            <a:schemeClr val="dk1"/>
-          </a:fillRef>
-          <a:effectRef idx="0">
-            <a:schemeClr val="dk1"/>
-          </a:effectRef>
-          <a:fontRef idx="minor">
-            <a:schemeClr val="tx1"/>
-          </a:fontRef>
-        </p:style>
-      </p:cxnSp>
-      <p:cxnSp>
-        <p:nvCxnSpPr>
-          <p:cNvPr id="75" name="Connector: Curved 74">
-            <a:extLst>
-              <a:ext uri="{FF2B5EF4-FFF2-40B4-BE49-F238E27FC236}">
-                <a16:creationId xmlns:a16="http://schemas.microsoft.com/office/drawing/2014/main" id="{B821400C-F20D-3820-1794-C3678116B182}"/>
-              </a:ext>
-            </a:extLst>
-          </p:cNvPr>
-          <p:cNvCxnSpPr>
-            <a:stCxn id="64" idx="1"/>
-            <a:endCxn id="4" idx="2"/>
-          </p:cNvCxnSpPr>
-          <p:nvPr/>
-        </p:nvCxnSpPr>
-        <p:spPr>
-          <a:xfrm flipV="1">
-            <a:off x="2006408" y="1177646"/>
-            <a:ext cx="268967" cy="1988339"/>
-          </a:xfrm>
-          <a:prstGeom prst="curvedConnector3">
-            <a:avLst>
-              <a:gd name="adj1" fmla="val -91653"/>
-            </a:avLst>
-          </a:prstGeom>
-          <a:ln/>
-        </p:spPr>
-        <p:style>
-          <a:lnRef idx="1">
-            <a:schemeClr val="dk1"/>
-          </a:lnRef>
-          <a:fillRef idx="0">
-            <a:schemeClr val="dk1"/>
-          </a:fillRef>
-          <a:effectRef idx="0">
-            <a:schemeClr val="dk1"/>
-          </a:effectRef>
-          <a:fontRef idx="minor">
-            <a:schemeClr val="tx1"/>
-          </a:fontRef>
-        </p:style>
-      </p:cxnSp>
-      <mc:AlternateContent xmlns:mc="http://schemas.openxmlformats.org/markup-compatibility/2006" xmlns:a14="http://schemas.microsoft.com/office/drawing/2010/main">
-        <mc:Choice Requires="a14">
+      <mc:AlternateContent xmlns:mc="http://schemas.openxmlformats.org/markup-compatibility/2006">
+        <mc:Choice xmlns:a14="http://schemas.microsoft.com/office/drawing/2010/main" Requires="a14">
           <p:sp>
             <p:nvSpPr>
               <p:cNvPr id="92" name="TextBox 91">
@@ -9077,8 +8279,8 @@
             </p:nvSpPr>
             <p:spPr>
               <a:xfrm rot="16200000">
-                <a:off x="-892692" y="3048143"/>
-                <a:ext cx="4210896" cy="459421"/>
+                <a:off x="-495116" y="3048143"/>
+                <a:ext cx="3415743" cy="459421"/>
               </a:xfrm>
               <a:prstGeom prst="rect">
                 <a:avLst/>
@@ -9144,13 +8346,6 @@
                         </a:rPr>
                         <m:t>∙(</m:t>
                       </m:r>
-                      <m:r>
-                        <a:rPr lang="fr-FR" sz="1600" b="0" i="1" smtClean="0">
-                          <a:latin typeface="Cambria Math" panose="02040503050406030204" pitchFamily="18" charset="0"/>
-                          <a:ea typeface="Cambria Math" panose="02040503050406030204" pitchFamily="18" charset="0"/>
-                        </a:rPr>
-                        <m:t>𝑇𝑜</m:t>
-                      </m:r>
                       <m:sSub>
                         <m:sSubPr>
                           <m:ctrlPr>
@@ -9166,7 +8361,7 @@
                               <a:latin typeface="Cambria Math" panose="02040503050406030204" pitchFamily="18" charset="0"/>
                               <a:ea typeface="Cambria Math" panose="02040503050406030204" pitchFamily="18" charset="0"/>
                             </a:rPr>
-                            <m:t>𝑡</m:t>
+                            <m:t>𝑓</m:t>
                           </m:r>
                         </m:e>
                         <m:sub>
@@ -9175,14 +8370,7 @@
                               <a:latin typeface="Cambria Math" panose="02040503050406030204" pitchFamily="18" charset="0"/>
                               <a:ea typeface="Cambria Math" panose="02040503050406030204" pitchFamily="18" charset="0"/>
                             </a:rPr>
-                            <m:t>𝐴</m:t>
-                          </m:r>
-                          <m:r>
-                            <a:rPr lang="fr-FR" sz="1600" b="0" i="1" smtClean="0">
-                              <a:latin typeface="Cambria Math" panose="02040503050406030204" pitchFamily="18" charset="0"/>
-                              <a:ea typeface="Cambria Math" panose="02040503050406030204" pitchFamily="18" charset="0"/>
-                            </a:rPr>
-                            <m:t>1</m:t>
+                            <m:t>𝐽</m:t>
                           </m:r>
                         </m:sub>
                       </m:sSub>
@@ -9192,6 +8380,20 @@
                           <a:ea typeface="Cambria Math" panose="02040503050406030204" pitchFamily="18" charset="0"/>
                         </a:rPr>
                         <m:t>∙</m:t>
+                      </m:r>
+                      <m:r>
+                        <a:rPr lang="fr-FR" sz="1600" b="0" i="1" smtClean="0">
+                          <a:latin typeface="Cambria Math" panose="02040503050406030204" pitchFamily="18" charset="0"/>
+                          <a:ea typeface="Cambria Math" panose="02040503050406030204" pitchFamily="18" charset="0"/>
+                        </a:rPr>
+                        <m:t>𝐽</m:t>
+                      </m:r>
+                      <m:r>
+                        <a:rPr lang="fr-FR" sz="1600" b="0" i="1" smtClean="0">
+                          <a:latin typeface="Cambria Math" panose="02040503050406030204" pitchFamily="18" charset="0"/>
+                          <a:ea typeface="Cambria Math" panose="02040503050406030204" pitchFamily="18" charset="0"/>
+                        </a:rPr>
+                        <m:t>+</m:t>
                       </m:r>
                       <m:sSub>
                         <m:sSubPr>
@@ -9217,56 +8419,7 @@
                               <a:latin typeface="Cambria Math" panose="02040503050406030204" pitchFamily="18" charset="0"/>
                               <a:ea typeface="Cambria Math" panose="02040503050406030204" pitchFamily="18" charset="0"/>
                             </a:rPr>
-                            <m:t>2</m:t>
-                          </m:r>
-                        </m:sub>
-                      </m:sSub>
-                      <m:r>
-                        <a:rPr lang="fr-FR" sz="1600" b="0" i="1" smtClean="0">
-                          <a:latin typeface="Cambria Math" panose="02040503050406030204" pitchFamily="18" charset="0"/>
-                          <a:ea typeface="Cambria Math" panose="02040503050406030204" pitchFamily="18" charset="0"/>
-                        </a:rPr>
-                        <m:t>+</m:t>
-                      </m:r>
-                      <m:r>
-                        <a:rPr lang="fr-FR" sz="1600" b="0" i="1" smtClean="0">
-                          <a:latin typeface="Cambria Math" panose="02040503050406030204" pitchFamily="18" charset="0"/>
-                          <a:ea typeface="Cambria Math" panose="02040503050406030204" pitchFamily="18" charset="0"/>
-                        </a:rPr>
-                        <m:t>𝑇𝑜</m:t>
-                      </m:r>
-                      <m:sSub>
-                        <m:sSubPr>
-                          <m:ctrlPr>
-                            <a:rPr lang="fr-FR" sz="1600" b="0" i="1" smtClean="0">
-                              <a:latin typeface="Cambria Math" panose="02040503050406030204" pitchFamily="18" charset="0"/>
-                              <a:ea typeface="Cambria Math" panose="02040503050406030204" pitchFamily="18" charset="0"/>
-                            </a:rPr>
-                          </m:ctrlPr>
-                        </m:sSubPr>
-                        <m:e>
-                          <m:r>
-                            <a:rPr lang="fr-FR" sz="1600" b="0" i="1" smtClean="0">
-                              <a:latin typeface="Cambria Math" panose="02040503050406030204" pitchFamily="18" charset="0"/>
-                              <a:ea typeface="Cambria Math" panose="02040503050406030204" pitchFamily="18" charset="0"/>
-                            </a:rPr>
-                            <m:t>𝑡</m:t>
-                          </m:r>
-                        </m:e>
-                        <m:sub>
-                          <m:r>
-                            <a:rPr lang="fr-FR" sz="1600" b="0" i="1" smtClean="0">
-                              <a:latin typeface="Cambria Math" panose="02040503050406030204" pitchFamily="18" charset="0"/>
-                              <a:ea typeface="Cambria Math" panose="02040503050406030204" pitchFamily="18" charset="0"/>
-                            </a:rPr>
                             <m:t>𝐴</m:t>
-                          </m:r>
-                          <m:r>
-                            <a:rPr lang="fr-FR" sz="1600" b="0" i="1" smtClean="0">
-                              <a:latin typeface="Cambria Math" panose="02040503050406030204" pitchFamily="18" charset="0"/>
-                              <a:ea typeface="Cambria Math" panose="02040503050406030204" pitchFamily="18" charset="0"/>
-                            </a:rPr>
-                            <m:t>2</m:t>
                           </m:r>
                         </m:sub>
                       </m:sSub>
@@ -9277,34 +8430,13 @@
                         </a:rPr>
                         <m:t>∙</m:t>
                       </m:r>
-                      <m:sSub>
-                        <m:sSubPr>
-                          <m:ctrlPr>
-                            <a:rPr lang="fr-FR" sz="1600" b="0" i="1" smtClean="0">
-                              <a:latin typeface="Cambria Math" panose="02040503050406030204" pitchFamily="18" charset="0"/>
-                              <a:ea typeface="Cambria Math" panose="02040503050406030204" pitchFamily="18" charset="0"/>
-                            </a:rPr>
-                          </m:ctrlPr>
-                        </m:sSubPr>
-                        <m:e>
-                          <m:r>
-                            <a:rPr lang="fr-FR" sz="1600" b="0" i="1" smtClean="0">
-                              <a:latin typeface="Cambria Math" panose="02040503050406030204" pitchFamily="18" charset="0"/>
-                              <a:ea typeface="Cambria Math" panose="02040503050406030204" pitchFamily="18" charset="0"/>
-                            </a:rPr>
-                            <m:t>𝑓</m:t>
-                          </m:r>
-                        </m:e>
-                        <m:sub>
-                          <m:r>
-                            <a:rPr lang="fr-FR" sz="1600" b="0" i="1" smtClean="0">
-                              <a:latin typeface="Cambria Math" panose="02040503050406030204" pitchFamily="18" charset="0"/>
-                              <a:ea typeface="Cambria Math" panose="02040503050406030204" pitchFamily="18" charset="0"/>
-                            </a:rPr>
-                            <m:t>3</m:t>
-                          </m:r>
-                        </m:sub>
-                      </m:sSub>
+                      <m:r>
+                        <a:rPr lang="fr-FR" sz="1600" b="0" i="1" smtClean="0">
+                          <a:latin typeface="Cambria Math" panose="02040503050406030204" pitchFamily="18" charset="0"/>
+                          <a:ea typeface="Cambria Math" panose="02040503050406030204" pitchFamily="18" charset="0"/>
+                        </a:rPr>
+                        <m:t>𝐴</m:t>
+                      </m:r>
                       <m:r>
                         <a:rPr lang="fr-FR" sz="1600" b="0" i="1" smtClean="0">
                           <a:latin typeface="Cambria Math" panose="02040503050406030204" pitchFamily="18" charset="0"/>
@@ -9355,7 +8487,7 @@
             </p:txBody>
           </p:sp>
         </mc:Choice>
-        <mc:Fallback xmlns="">
+        <mc:Fallback>
           <p:sp>
             <p:nvSpPr>
               <p:cNvPr id="92" name="TextBox 91">
@@ -9372,8 +8504,8 @@
             </p:nvSpPr>
             <p:spPr>
               <a:xfrm rot="16200000">
-                <a:off x="-892692" y="3048143"/>
-                <a:ext cx="4210896" cy="459421"/>
+                <a:off x="-495116" y="3048143"/>
+                <a:ext cx="3415743" cy="459421"/>
               </a:xfrm>
               <a:prstGeom prst="rect">
                 <a:avLst/>
@@ -9770,6 +8902,684 @@
                 <a:blip r:embed="rId42"/>
                 <a:stretch>
                   <a:fillRect l="-33333" r="-23333" b="-22222"/>
+                </a:stretch>
+              </a:blipFill>
+            </p:spPr>
+            <p:txBody>
+              <a:bodyPr/>
+              <a:lstStyle/>
+              <a:p>
+                <a:r>
+                  <a:rPr lang="en-US">
+                    <a:noFill/>
+                  </a:rPr>
+                  <a:t> </a:t>
+                </a:r>
+              </a:p>
+            </p:txBody>
+          </p:sp>
+        </mc:Fallback>
+      </mc:AlternateContent>
+      <p:cxnSp>
+        <p:nvCxnSpPr>
+          <p:cNvPr id="37" name="Connector: Elbow 36">
+            <a:extLst>
+              <a:ext uri="{FF2B5EF4-FFF2-40B4-BE49-F238E27FC236}">
+                <a16:creationId xmlns:a16="http://schemas.microsoft.com/office/drawing/2014/main" id="{27991E65-0F24-F4EC-0072-14873F038B3B}"/>
+              </a:ext>
+            </a:extLst>
+          </p:cNvPr>
+          <p:cNvCxnSpPr>
+            <a:stCxn id="10" idx="1"/>
+            <a:endCxn id="4" idx="7"/>
+          </p:cNvCxnSpPr>
+          <p:nvPr/>
+        </p:nvCxnSpPr>
+        <p:spPr>
+          <a:xfrm rot="16200000" flipH="1" flipV="1">
+            <a:off x="7106426" y="-3325516"/>
+            <a:ext cx="2" cy="8542612"/>
+          </a:xfrm>
+          <a:prstGeom prst="bentConnector3">
+            <a:avLst>
+              <a:gd name="adj1" fmla="val -16231850000"/>
+            </a:avLst>
+          </a:prstGeom>
+          <a:ln>
+            <a:tailEnd type="triangle"/>
+          </a:ln>
+        </p:spPr>
+        <p:style>
+          <a:lnRef idx="1">
+            <a:schemeClr val="dk1"/>
+          </a:lnRef>
+          <a:fillRef idx="0">
+            <a:schemeClr val="dk1"/>
+          </a:fillRef>
+          <a:effectRef idx="0">
+            <a:schemeClr val="dk1"/>
+          </a:effectRef>
+          <a:fontRef idx="minor">
+            <a:schemeClr val="tx1"/>
+          </a:fontRef>
+        </p:style>
+      </p:cxnSp>
+      <p:cxnSp>
+        <p:nvCxnSpPr>
+          <p:cNvPr id="46" name="Connector: Elbow 45">
+            <a:extLst>
+              <a:ext uri="{FF2B5EF4-FFF2-40B4-BE49-F238E27FC236}">
+                <a16:creationId xmlns:a16="http://schemas.microsoft.com/office/drawing/2014/main" id="{97B0CD49-BDC7-CEE9-2773-89C4E062595A}"/>
+              </a:ext>
+            </a:extLst>
+          </p:cNvPr>
+          <p:cNvCxnSpPr>
+            <a:stCxn id="13" idx="1"/>
+            <a:endCxn id="5" idx="7"/>
+          </p:cNvCxnSpPr>
+          <p:nvPr/>
+        </p:nvCxnSpPr>
+        <p:spPr>
+          <a:xfrm rot="16200000" flipH="1" flipV="1">
+            <a:off x="7106426" y="-1332770"/>
+            <a:ext cx="2" cy="8542612"/>
+          </a:xfrm>
+          <a:prstGeom prst="bentConnector3">
+            <a:avLst>
+              <a:gd name="adj1" fmla="val -16231850000"/>
+            </a:avLst>
+          </a:prstGeom>
+          <a:ln>
+            <a:tailEnd type="triangle"/>
+          </a:ln>
+        </p:spPr>
+        <p:style>
+          <a:lnRef idx="1">
+            <a:schemeClr val="dk1"/>
+          </a:lnRef>
+          <a:fillRef idx="0">
+            <a:schemeClr val="dk1"/>
+          </a:fillRef>
+          <a:effectRef idx="0">
+            <a:schemeClr val="dk1"/>
+          </a:effectRef>
+          <a:fontRef idx="minor">
+            <a:schemeClr val="tx1"/>
+          </a:fontRef>
+        </p:style>
+      </p:cxnSp>
+      <p:cxnSp>
+        <p:nvCxnSpPr>
+          <p:cNvPr id="49" name="Connector: Elbow 48">
+            <a:extLst>
+              <a:ext uri="{FF2B5EF4-FFF2-40B4-BE49-F238E27FC236}">
+                <a16:creationId xmlns:a16="http://schemas.microsoft.com/office/drawing/2014/main" id="{BC7BF07C-FEE4-1688-D1E8-1110B871A7DC}"/>
+              </a:ext>
+            </a:extLst>
+          </p:cNvPr>
+          <p:cNvCxnSpPr>
+            <a:stCxn id="16" idx="3"/>
+            <a:endCxn id="6" idx="5"/>
+          </p:cNvCxnSpPr>
+          <p:nvPr/>
+        </p:nvCxnSpPr>
+        <p:spPr>
+          <a:xfrm rot="5400000">
+            <a:off x="7106426" y="1123685"/>
+            <a:ext cx="3" cy="8542613"/>
+          </a:xfrm>
+          <a:prstGeom prst="bentConnector3">
+            <a:avLst>
+              <a:gd name="adj1" fmla="val 10821333333"/>
+            </a:avLst>
+          </a:prstGeom>
+          <a:ln>
+            <a:tailEnd type="triangle"/>
+          </a:ln>
+        </p:spPr>
+        <p:style>
+          <a:lnRef idx="1">
+            <a:schemeClr val="dk1"/>
+          </a:lnRef>
+          <a:fillRef idx="0">
+            <a:schemeClr val="dk1"/>
+          </a:fillRef>
+          <a:effectRef idx="0">
+            <a:schemeClr val="dk1"/>
+          </a:effectRef>
+          <a:fontRef idx="minor">
+            <a:schemeClr val="tx1"/>
+          </a:fontRef>
+        </p:style>
+      </p:cxnSp>
+      <p:cxnSp>
+        <p:nvCxnSpPr>
+          <p:cNvPr id="51" name="Connector: Elbow 50">
+            <a:extLst>
+              <a:ext uri="{FF2B5EF4-FFF2-40B4-BE49-F238E27FC236}">
+                <a16:creationId xmlns:a16="http://schemas.microsoft.com/office/drawing/2014/main" id="{A4618A4E-9D73-63BB-971E-53CCA79BAF1F}"/>
+              </a:ext>
+            </a:extLst>
+          </p:cNvPr>
+          <p:cNvCxnSpPr>
+            <a:stCxn id="64" idx="1"/>
+            <a:endCxn id="4" idx="2"/>
+          </p:cNvCxnSpPr>
+          <p:nvPr/>
+        </p:nvCxnSpPr>
+        <p:spPr>
+          <a:xfrm flipV="1">
+            <a:off x="2006408" y="1177646"/>
+            <a:ext cx="268967" cy="1988339"/>
+          </a:xfrm>
+          <a:prstGeom prst="bentConnector3">
+            <a:avLst>
+              <a:gd name="adj1" fmla="val -85293"/>
+            </a:avLst>
+          </a:prstGeom>
+          <a:ln>
+            <a:tailEnd type="triangle"/>
+          </a:ln>
+        </p:spPr>
+        <p:style>
+          <a:lnRef idx="1">
+            <a:schemeClr val="dk1"/>
+          </a:lnRef>
+          <a:fillRef idx="0">
+            <a:schemeClr val="dk1"/>
+          </a:fillRef>
+          <a:effectRef idx="0">
+            <a:schemeClr val="dk1"/>
+          </a:effectRef>
+          <a:fontRef idx="minor">
+            <a:schemeClr val="tx1"/>
+          </a:fontRef>
+        </p:style>
+      </p:cxnSp>
+      <p:cxnSp>
+        <p:nvCxnSpPr>
+          <p:cNvPr id="56" name="Connector: Elbow 55">
+            <a:extLst>
+              <a:ext uri="{FF2B5EF4-FFF2-40B4-BE49-F238E27FC236}">
+                <a16:creationId xmlns:a16="http://schemas.microsoft.com/office/drawing/2014/main" id="{0EAA53E0-D6D3-73B6-CE2B-E0E8C4CB7A91}"/>
+              </a:ext>
+            </a:extLst>
+          </p:cNvPr>
+          <p:cNvCxnSpPr>
+            <a:stCxn id="65" idx="1"/>
+            <a:endCxn id="4" idx="2"/>
+          </p:cNvCxnSpPr>
+          <p:nvPr/>
+        </p:nvCxnSpPr>
+        <p:spPr>
+          <a:xfrm flipV="1">
+            <a:off x="2006408" y="1177646"/>
+            <a:ext cx="268967" cy="3985485"/>
+          </a:xfrm>
+          <a:prstGeom prst="bentConnector3">
+            <a:avLst>
+              <a:gd name="adj1" fmla="val -85293"/>
+            </a:avLst>
+          </a:prstGeom>
+          <a:ln>
+            <a:tailEnd type="triangle"/>
+          </a:ln>
+        </p:spPr>
+        <p:style>
+          <a:lnRef idx="1">
+            <a:schemeClr val="dk1"/>
+          </a:lnRef>
+          <a:fillRef idx="0">
+            <a:schemeClr val="dk1"/>
+          </a:fillRef>
+          <a:effectRef idx="0">
+            <a:schemeClr val="dk1"/>
+          </a:effectRef>
+          <a:fontRef idx="minor">
+            <a:schemeClr val="tx1"/>
+          </a:fontRef>
+        </p:style>
+      </p:cxnSp>
+      <mc:AlternateContent xmlns:mc="http://schemas.openxmlformats.org/markup-compatibility/2006" xmlns:a14="http://schemas.microsoft.com/office/drawing/2010/main">
+        <mc:Choice Requires="a14">
+          <p:sp>
+            <p:nvSpPr>
+              <p:cNvPr id="36" name="TextBox 35">
+                <a:extLst>
+                  <a:ext uri="{FF2B5EF4-FFF2-40B4-BE49-F238E27FC236}">
+                    <a16:creationId xmlns:a16="http://schemas.microsoft.com/office/drawing/2014/main" id="{FA71797F-19D9-4101-E065-557DD27CE137}"/>
+                  </a:ext>
+                </a:extLst>
+              </p:cNvPr>
+              <p:cNvSpPr txBox="1"/>
+              <p:nvPr/>
+            </p:nvSpPr>
+            <p:spPr>
+              <a:xfrm>
+                <a:off x="6999868" y="2314746"/>
+                <a:ext cx="177100" cy="276999"/>
+              </a:xfrm>
+              <a:prstGeom prst="rect">
+                <a:avLst/>
+              </a:prstGeom>
+              <a:noFill/>
+            </p:spPr>
+            <p:txBody>
+              <a:bodyPr wrap="none" lIns="0" tIns="0" rIns="0" bIns="0" rtlCol="0">
+                <a:spAutoFit/>
+              </a:bodyPr>
+              <a:lstStyle/>
+              <a:p>
+                <a:pPr/>
+                <a14:m>
+                  <m:oMathPara xmlns:m="http://schemas.openxmlformats.org/officeDocument/2006/math">
+                    <m:oMathParaPr>
+                      <m:jc m:val="centerGroup"/>
+                    </m:oMathParaPr>
+                    <m:oMath xmlns:m="http://schemas.openxmlformats.org/officeDocument/2006/math">
+                      <m:r>
+                        <a:rPr lang="fr-FR" i="1" smtClean="0">
+                          <a:latin typeface="Cambria Math" panose="02040503050406030204" pitchFamily="18" charset="0"/>
+                          <a:ea typeface="Cambria Math" panose="02040503050406030204" pitchFamily="18" charset="0"/>
+                        </a:rPr>
+                        <m:t>𝜆</m:t>
+                      </m:r>
+                    </m:oMath>
+                  </m:oMathPara>
+                </a14:m>
+                <a:endParaRPr lang="en-US" dirty="0"/>
+              </a:p>
+            </p:txBody>
+          </p:sp>
+        </mc:Choice>
+        <mc:Fallback xmlns="">
+          <p:sp>
+            <p:nvSpPr>
+              <p:cNvPr id="36" name="TextBox 35">
+                <a:extLst>
+                  <a:ext uri="{FF2B5EF4-FFF2-40B4-BE49-F238E27FC236}">
+                    <a16:creationId xmlns:a16="http://schemas.microsoft.com/office/drawing/2014/main" id="{FA71797F-19D9-4101-E065-557DD27CE137}"/>
+                  </a:ext>
+                </a:extLst>
+              </p:cNvPr>
+              <p:cNvSpPr txBox="1">
+                <a:spLocks noRot="1" noChangeAspect="1" noMove="1" noResize="1" noEditPoints="1" noAdjustHandles="1" noChangeArrowheads="1" noChangeShapeType="1" noTextEdit="1"/>
+              </p:cNvSpPr>
+              <p:nvPr/>
+            </p:nvSpPr>
+            <p:spPr>
+              <a:xfrm>
+                <a:off x="6999868" y="2314746"/>
+                <a:ext cx="177100" cy="276999"/>
+              </a:xfrm>
+              <a:prstGeom prst="rect">
+                <a:avLst/>
+              </a:prstGeom>
+              <a:blipFill>
+                <a:blip r:embed="rId43"/>
+                <a:stretch>
+                  <a:fillRect l="-34483" r="-31034" b="-8889"/>
+                </a:stretch>
+              </a:blipFill>
+            </p:spPr>
+            <p:txBody>
+              <a:bodyPr/>
+              <a:lstStyle/>
+              <a:p>
+                <a:r>
+                  <a:rPr lang="en-US">
+                    <a:noFill/>
+                  </a:rPr>
+                  <a:t> </a:t>
+                </a:r>
+              </a:p>
+            </p:txBody>
+          </p:sp>
+        </mc:Fallback>
+      </mc:AlternateContent>
+      <mc:AlternateContent xmlns:mc="http://schemas.openxmlformats.org/markup-compatibility/2006" xmlns:a14="http://schemas.microsoft.com/office/drawing/2010/main">
+        <mc:Choice Requires="a14">
+          <p:sp>
+            <p:nvSpPr>
+              <p:cNvPr id="38" name="TextBox 37">
+                <a:extLst>
+                  <a:ext uri="{FF2B5EF4-FFF2-40B4-BE49-F238E27FC236}">
+                    <a16:creationId xmlns:a16="http://schemas.microsoft.com/office/drawing/2014/main" id="{72D17C71-5487-C894-7113-2C4444D5B94F}"/>
+                  </a:ext>
+                </a:extLst>
+              </p:cNvPr>
+              <p:cNvSpPr txBox="1"/>
+              <p:nvPr/>
+            </p:nvSpPr>
+            <p:spPr>
+              <a:xfrm>
+                <a:off x="7008648" y="5427137"/>
+                <a:ext cx="177100" cy="276999"/>
+              </a:xfrm>
+              <a:prstGeom prst="rect">
+                <a:avLst/>
+              </a:prstGeom>
+              <a:noFill/>
+            </p:spPr>
+            <p:txBody>
+              <a:bodyPr wrap="none" lIns="0" tIns="0" rIns="0" bIns="0" rtlCol="0">
+                <a:spAutoFit/>
+              </a:bodyPr>
+              <a:lstStyle/>
+              <a:p>
+                <a:pPr/>
+                <a14:m>
+                  <m:oMathPara xmlns:m="http://schemas.openxmlformats.org/officeDocument/2006/math">
+                    <m:oMathParaPr>
+                      <m:jc m:val="centerGroup"/>
+                    </m:oMathParaPr>
+                    <m:oMath xmlns:m="http://schemas.openxmlformats.org/officeDocument/2006/math">
+                      <m:r>
+                        <a:rPr lang="fr-FR" i="1" smtClean="0">
+                          <a:latin typeface="Cambria Math" panose="02040503050406030204" pitchFamily="18" charset="0"/>
+                          <a:ea typeface="Cambria Math" panose="02040503050406030204" pitchFamily="18" charset="0"/>
+                        </a:rPr>
+                        <m:t>𝜆</m:t>
+                      </m:r>
+                    </m:oMath>
+                  </m:oMathPara>
+                </a14:m>
+                <a:endParaRPr lang="en-US" dirty="0"/>
+              </a:p>
+            </p:txBody>
+          </p:sp>
+        </mc:Choice>
+        <mc:Fallback xmlns="">
+          <p:sp>
+            <p:nvSpPr>
+              <p:cNvPr id="38" name="TextBox 37">
+                <a:extLst>
+                  <a:ext uri="{FF2B5EF4-FFF2-40B4-BE49-F238E27FC236}">
+                    <a16:creationId xmlns:a16="http://schemas.microsoft.com/office/drawing/2014/main" id="{72D17C71-5487-C894-7113-2C4444D5B94F}"/>
+                  </a:ext>
+                </a:extLst>
+              </p:cNvPr>
+              <p:cNvSpPr txBox="1">
+                <a:spLocks noRot="1" noChangeAspect="1" noMove="1" noResize="1" noEditPoints="1" noAdjustHandles="1" noChangeArrowheads="1" noChangeShapeType="1" noTextEdit="1"/>
+              </p:cNvSpPr>
+              <p:nvPr/>
+            </p:nvSpPr>
+            <p:spPr>
+              <a:xfrm>
+                <a:off x="7008648" y="5427137"/>
+                <a:ext cx="177100" cy="276999"/>
+              </a:xfrm>
+              <a:prstGeom prst="rect">
+                <a:avLst/>
+              </a:prstGeom>
+              <a:blipFill>
+                <a:blip r:embed="rId44"/>
+                <a:stretch>
+                  <a:fillRect l="-34483" r="-31034" b="-6522"/>
+                </a:stretch>
+              </a:blipFill>
+            </p:spPr>
+            <p:txBody>
+              <a:bodyPr/>
+              <a:lstStyle/>
+              <a:p>
+                <a:r>
+                  <a:rPr lang="en-US">
+                    <a:noFill/>
+                  </a:rPr>
+                  <a:t> </a:t>
+                </a:r>
+              </a:p>
+            </p:txBody>
+          </p:sp>
+        </mc:Fallback>
+      </mc:AlternateContent>
+      <mc:AlternateContent xmlns:mc="http://schemas.openxmlformats.org/markup-compatibility/2006">
+        <mc:Choice xmlns:a14="http://schemas.microsoft.com/office/drawing/2010/main" Requires="a14">
+          <p:sp>
+            <p:nvSpPr>
+              <p:cNvPr id="47" name="TextBox 46">
+                <a:extLst>
+                  <a:ext uri="{FF2B5EF4-FFF2-40B4-BE49-F238E27FC236}">
+                    <a16:creationId xmlns:a16="http://schemas.microsoft.com/office/drawing/2014/main" id="{F1300D5B-3497-BE14-958D-8990C0A643BB}"/>
+                  </a:ext>
+                </a:extLst>
+              </p:cNvPr>
+              <p:cNvSpPr txBox="1"/>
+              <p:nvPr/>
+            </p:nvSpPr>
+            <p:spPr>
+              <a:xfrm>
+                <a:off x="3834481" y="3274515"/>
+                <a:ext cx="482312" cy="459421"/>
+              </a:xfrm>
+              <a:prstGeom prst="rect">
+                <a:avLst/>
+              </a:prstGeom>
+              <a:noFill/>
+            </p:spPr>
+            <p:txBody>
+              <a:bodyPr wrap="none" lIns="0" tIns="0" rIns="0" bIns="0" rtlCol="0">
+                <a:spAutoFit/>
+              </a:bodyPr>
+              <a:lstStyle/>
+              <a:p>
+                <a:pPr/>
+                <a14:m>
+                  <m:oMathPara xmlns:m="http://schemas.openxmlformats.org/officeDocument/2006/math">
+                    <m:oMathParaPr>
+                      <m:jc m:val="centerGroup"/>
+                    </m:oMathParaPr>
+                    <m:oMath xmlns:m="http://schemas.openxmlformats.org/officeDocument/2006/math">
+                      <m:r>
+                        <a:rPr lang="fr-FR" sz="1600" i="1" smtClean="0">
+                          <a:latin typeface="Cambria Math" panose="02040503050406030204" pitchFamily="18" charset="0"/>
+                          <a:ea typeface="Cambria Math" panose="02040503050406030204" pitchFamily="18" charset="0"/>
+                        </a:rPr>
+                        <m:t>𝛽</m:t>
+                      </m:r>
+                      <m:r>
+                        <a:rPr lang="fr-FR" sz="1600" i="1" smtClean="0">
+                          <a:latin typeface="Cambria Math" panose="02040503050406030204" pitchFamily="18" charset="0"/>
+                          <a:ea typeface="Cambria Math" panose="02040503050406030204" pitchFamily="18" charset="0"/>
+                        </a:rPr>
+                        <m:t>∙</m:t>
+                      </m:r>
+                      <m:f>
+                        <m:fPr>
+                          <m:ctrlPr>
+                            <a:rPr lang="fr-FR" sz="1600" i="1">
+                              <a:latin typeface="Cambria Math" panose="02040503050406030204" pitchFamily="18" charset="0"/>
+                              <a:ea typeface="Cambria Math" panose="02040503050406030204" pitchFamily="18" charset="0"/>
+                            </a:rPr>
+                          </m:ctrlPr>
+                        </m:fPr>
+                        <m:num>
+                          <m:r>
+                            <a:rPr lang="fr-FR" sz="1600" b="0" i="1" smtClean="0">
+                              <a:latin typeface="Cambria Math" panose="02040503050406030204" pitchFamily="18" charset="0"/>
+                              <a:ea typeface="Cambria Math" panose="02040503050406030204" pitchFamily="18" charset="0"/>
+                            </a:rPr>
+                            <m:t>𝐼</m:t>
+                          </m:r>
+                        </m:num>
+                        <m:den>
+                          <m:r>
+                            <a:rPr lang="fr-FR" sz="1600" i="1">
+                              <a:latin typeface="Cambria Math" panose="02040503050406030204" pitchFamily="18" charset="0"/>
+                              <a:ea typeface="Cambria Math" panose="02040503050406030204" pitchFamily="18" charset="0"/>
+                            </a:rPr>
+                            <m:t>𝑁</m:t>
+                          </m:r>
+                        </m:den>
+                      </m:f>
+                    </m:oMath>
+                  </m:oMathPara>
+                </a14:m>
+                <a:endParaRPr lang="en-US" sz="1600" dirty="0"/>
+              </a:p>
+            </p:txBody>
+          </p:sp>
+        </mc:Choice>
+        <mc:Fallback>
+          <p:sp>
+            <p:nvSpPr>
+              <p:cNvPr id="47" name="TextBox 46">
+                <a:extLst>
+                  <a:ext uri="{FF2B5EF4-FFF2-40B4-BE49-F238E27FC236}">
+                    <a16:creationId xmlns:a16="http://schemas.microsoft.com/office/drawing/2014/main" id="{F1300D5B-3497-BE14-958D-8990C0A643BB}"/>
+                  </a:ext>
+                </a:extLst>
+              </p:cNvPr>
+              <p:cNvSpPr txBox="1">
+                <a:spLocks noRot="1" noChangeAspect="1" noMove="1" noResize="1" noEditPoints="1" noAdjustHandles="1" noChangeArrowheads="1" noChangeShapeType="1" noTextEdit="1"/>
+              </p:cNvSpPr>
+              <p:nvPr/>
+            </p:nvSpPr>
+            <p:spPr>
+              <a:xfrm>
+                <a:off x="3834481" y="3274515"/>
+                <a:ext cx="482312" cy="459421"/>
+              </a:xfrm>
+              <a:prstGeom prst="rect">
+                <a:avLst/>
+              </a:prstGeom>
+              <a:blipFill>
+                <a:blip r:embed="rId45"/>
+                <a:stretch>
+                  <a:fillRect/>
+                </a:stretch>
+              </a:blipFill>
+            </p:spPr>
+            <p:txBody>
+              <a:bodyPr/>
+              <a:lstStyle/>
+              <a:p>
+                <a:r>
+                  <a:rPr lang="en-US">
+                    <a:noFill/>
+                  </a:rPr>
+                  <a:t> </a:t>
+                </a:r>
+              </a:p>
+            </p:txBody>
+          </p:sp>
+        </mc:Fallback>
+      </mc:AlternateContent>
+      <mc:AlternateContent xmlns:mc="http://schemas.openxmlformats.org/markup-compatibility/2006">
+        <mc:Choice xmlns:a14="http://schemas.microsoft.com/office/drawing/2010/main" Requires="a14">
+          <p:sp>
+            <p:nvSpPr>
+              <p:cNvPr id="50" name="TextBox 49">
+                <a:extLst>
+                  <a:ext uri="{FF2B5EF4-FFF2-40B4-BE49-F238E27FC236}">
+                    <a16:creationId xmlns:a16="http://schemas.microsoft.com/office/drawing/2014/main" id="{5F1615E1-353C-8538-BF09-A13D85C3F883}"/>
+                  </a:ext>
+                </a:extLst>
+              </p:cNvPr>
+              <p:cNvSpPr txBox="1"/>
+              <p:nvPr/>
+            </p:nvSpPr>
+            <p:spPr>
+              <a:xfrm>
+                <a:off x="3829787" y="4640734"/>
+                <a:ext cx="482312" cy="459421"/>
+              </a:xfrm>
+              <a:prstGeom prst="rect">
+                <a:avLst/>
+              </a:prstGeom>
+              <a:noFill/>
+            </p:spPr>
+            <p:txBody>
+              <a:bodyPr wrap="none" lIns="0" tIns="0" rIns="0" bIns="0" rtlCol="0">
+                <a:spAutoFit/>
+              </a:bodyPr>
+              <a:lstStyle/>
+              <a:p>
+                <a:pPr/>
+                <a14:m>
+                  <m:oMathPara xmlns:m="http://schemas.openxmlformats.org/officeDocument/2006/math">
+                    <m:oMathParaPr>
+                      <m:jc m:val="centerGroup"/>
+                    </m:oMathParaPr>
+                    <m:oMath xmlns:m="http://schemas.openxmlformats.org/officeDocument/2006/math">
+                      <m:r>
+                        <a:rPr lang="fr-FR" sz="1600" i="1" smtClean="0">
+                          <a:latin typeface="Cambria Math" panose="02040503050406030204" pitchFamily="18" charset="0"/>
+                          <a:ea typeface="Cambria Math" panose="02040503050406030204" pitchFamily="18" charset="0"/>
+                        </a:rPr>
+                        <m:t>𝛽</m:t>
+                      </m:r>
+                      <m:r>
+                        <a:rPr lang="fr-FR" sz="1600" i="1" smtClean="0">
+                          <a:latin typeface="Cambria Math" panose="02040503050406030204" pitchFamily="18" charset="0"/>
+                          <a:ea typeface="Cambria Math" panose="02040503050406030204" pitchFamily="18" charset="0"/>
+                        </a:rPr>
+                        <m:t>∙</m:t>
+                      </m:r>
+                      <m:f>
+                        <m:fPr>
+                          <m:ctrlPr>
+                            <a:rPr lang="fr-FR" sz="1600" i="1">
+                              <a:latin typeface="Cambria Math" panose="02040503050406030204" pitchFamily="18" charset="0"/>
+                              <a:ea typeface="Cambria Math" panose="02040503050406030204" pitchFamily="18" charset="0"/>
+                            </a:rPr>
+                          </m:ctrlPr>
+                        </m:fPr>
+                        <m:num>
+                          <m:r>
+                            <a:rPr lang="fr-FR" sz="1600" b="0" i="1" smtClean="0">
+                              <a:latin typeface="Cambria Math" panose="02040503050406030204" pitchFamily="18" charset="0"/>
+                              <a:ea typeface="Cambria Math" panose="02040503050406030204" pitchFamily="18" charset="0"/>
+                            </a:rPr>
+                            <m:t>𝐼</m:t>
+                          </m:r>
+                        </m:num>
+                        <m:den>
+                          <m:r>
+                            <a:rPr lang="fr-FR" sz="1600" i="1">
+                              <a:latin typeface="Cambria Math" panose="02040503050406030204" pitchFamily="18" charset="0"/>
+                              <a:ea typeface="Cambria Math" panose="02040503050406030204" pitchFamily="18" charset="0"/>
+                            </a:rPr>
+                            <m:t>𝑁</m:t>
+                          </m:r>
+                        </m:den>
+                      </m:f>
+                    </m:oMath>
+                  </m:oMathPara>
+                </a14:m>
+                <a:endParaRPr lang="en-US" sz="1600" dirty="0"/>
+              </a:p>
+            </p:txBody>
+          </p:sp>
+        </mc:Choice>
+        <mc:Fallback>
+          <p:sp>
+            <p:nvSpPr>
+              <p:cNvPr id="50" name="TextBox 49">
+                <a:extLst>
+                  <a:ext uri="{FF2B5EF4-FFF2-40B4-BE49-F238E27FC236}">
+                    <a16:creationId xmlns:a16="http://schemas.microsoft.com/office/drawing/2014/main" id="{5F1615E1-353C-8538-BF09-A13D85C3F883}"/>
+                  </a:ext>
+                </a:extLst>
+              </p:cNvPr>
+              <p:cNvSpPr txBox="1">
+                <a:spLocks noRot="1" noChangeAspect="1" noMove="1" noResize="1" noEditPoints="1" noAdjustHandles="1" noChangeArrowheads="1" noChangeShapeType="1" noTextEdit="1"/>
+              </p:cNvSpPr>
+              <p:nvPr/>
+            </p:nvSpPr>
+            <p:spPr>
+              <a:xfrm>
+                <a:off x="3829787" y="4640734"/>
+                <a:ext cx="482312" cy="459421"/>
+              </a:xfrm>
+              <a:prstGeom prst="rect">
+                <a:avLst/>
+              </a:prstGeom>
+              <a:blipFill>
+                <a:blip r:embed="rId46"/>
+                <a:stretch>
+                  <a:fillRect/>
                 </a:stretch>
               </a:blipFill>
             </p:spPr>
